--- a/Clase2/Clase 2.pptx
+++ b/Clase2/Clase 2.pptx
@@ -35,17 +35,17 @@
     <p:sldId id="332" r:id="rId26"/>
     <p:sldId id="287" r:id="rId27"/>
     <p:sldId id="288" r:id="rId28"/>
-    <p:sldId id="362" r:id="rId29"/>
-    <p:sldId id="364" r:id="rId30"/>
-    <p:sldId id="365" r:id="rId31"/>
-    <p:sldId id="289" r:id="rId32"/>
-    <p:sldId id="290" r:id="rId33"/>
-    <p:sldId id="291" r:id="rId34"/>
-    <p:sldId id="333" r:id="rId35"/>
-    <p:sldId id="334" r:id="rId36"/>
-    <p:sldId id="335" r:id="rId37"/>
-    <p:sldId id="336" r:id="rId38"/>
-    <p:sldId id="337" r:id="rId39"/>
+    <p:sldId id="366" r:id="rId29"/>
+    <p:sldId id="367" r:id="rId30"/>
+    <p:sldId id="368" r:id="rId31"/>
+    <p:sldId id="369" r:id="rId32"/>
+    <p:sldId id="370" r:id="rId33"/>
+    <p:sldId id="371" r:id="rId34"/>
+    <p:sldId id="372" r:id="rId35"/>
+    <p:sldId id="373" r:id="rId36"/>
+    <p:sldId id="362" r:id="rId37"/>
+    <p:sldId id="364" r:id="rId38"/>
+    <p:sldId id="365" r:id="rId39"/>
     <p:sldId id="315" r:id="rId40"/>
     <p:sldId id="303" r:id="rId41"/>
     <p:sldId id="345" r:id="rId42"/>
@@ -1244,7 +1244,7 @@
     </p:spTree>
     <p:extLst>
       <p:ext uri="{BB962C8B-B14F-4D97-AF65-F5344CB8AC3E}">
-        <p14:creationId xmlns:p14="http://schemas.microsoft.com/office/powerpoint/2010/main" val="3590505115"/>
+        <p14:creationId xmlns:p14="http://schemas.microsoft.com/office/powerpoint/2010/main" val="867514813"/>
       </p:ext>
     </p:extLst>
   </p:cSld>
@@ -1255,11 +1255,11 @@
 </file>
 
 <file path=ppt/notesSlides/notesSlide6.xml><?xml version="1.0" encoding="utf-8"?>
-<p:notes xmlns:a="http://schemas.openxmlformats.org/drawingml/2006/main" xmlns:r="http://schemas.openxmlformats.org/officeDocument/2006/relationships" xmlns:p="http://schemas.openxmlformats.org/presentationml/2006/main">
+<p:notes xmlns:a="http://schemas.openxmlformats.org/drawingml/2006/main" xmlns:r="http://schemas.openxmlformats.org/officeDocument/2006/relationships" xmlns:p="http://schemas.openxmlformats.org/presentationml/2006/main" showMasterSp="0" showMasterPhAnim="0">
   <p:cSld>
     <p:spTree>
       <p:nvGrpSpPr>
-        <p:cNvPr id="1" name=""/>
+        <p:cNvPr id="1" name="Shape 50"/>
         <p:cNvGrpSpPr/>
         <p:nvPr/>
       </p:nvGrpSpPr>
@@ -1273,12 +1273,12 @@
       </p:grpSpPr>
       <p:sp>
         <p:nvSpPr>
-          <p:cNvPr id="2" name="Marcador de imagen de diapositiva 1"/>
+          <p:cNvPr id="51" name="Shape 51"/>
           <p:cNvSpPr>
             <a:spLocks noGrp="1" noRot="1" noChangeAspect="1"/>
           </p:cNvSpPr>
           <p:nvPr>
-            <p:ph type="sldImg"/>
+            <p:ph type="sldImg" idx="2"/>
           </p:nvPr>
         </p:nvSpPr>
         <p:spPr>
@@ -1286,35 +1286,74 @@
             <a:off x="381000" y="685800"/>
             <a:ext cx="6096000" cy="3429000"/>
           </a:xfrm>
-        </p:spPr>
-      </p:sp>
-      <p:sp>
-        <p:nvSpPr>
-          <p:cNvPr id="3" name="Marcador de notas 2"/>
-          <p:cNvSpPr>
+          <a:custGeom>
+            <a:avLst/>
+            <a:gdLst/>
+            <a:ahLst/>
+            <a:cxnLst/>
+            <a:rect l="0" t="0" r="0" b="0"/>
+            <a:pathLst>
+              <a:path w="120000" h="120000" extrusionOk="0">
+                <a:moveTo>
+                  <a:pt x="0" y="0"/>
+                </a:moveTo>
+                <a:lnTo>
+                  <a:pt x="120000" y="0"/>
+                </a:lnTo>
+                <a:lnTo>
+                  <a:pt x="120000" y="120000"/>
+                </a:lnTo>
+                <a:lnTo>
+                  <a:pt x="0" y="120000"/>
+                </a:lnTo>
+                <a:close/>
+              </a:path>
+            </a:pathLst>
+          </a:custGeom>
+        </p:spPr>
+      </p:sp>
+      <p:sp>
+        <p:nvSpPr>
+          <p:cNvPr id="52" name="Shape 52"/>
+          <p:cNvSpPr txBox="1">
             <a:spLocks noGrp="1"/>
           </p:cNvSpPr>
           <p:nvPr>
             <p:ph type="body" idx="1"/>
           </p:nvPr>
         </p:nvSpPr>
-        <p:spPr/>
-        <p:txBody>
-          <a:bodyPr/>
-          <a:lstStyle/>
-          <a:p>
-            <a:r>
-              <a:rPr lang="es-ES" dirty="0" smtClean="0"/>
-              <a:t>PRIMERO HAY QUE VER EL ONTOUCHLISTENER</a:t>
-            </a:r>
-            <a:endParaRPr lang="es-CO" dirty="0"/>
+        <p:spPr>
+          <a:xfrm>
+            <a:off x="685800" y="4343400"/>
+            <a:ext cx="5486400" cy="4114800"/>
+          </a:xfrm>
+          <a:prstGeom prst="rect">
+            <a:avLst/>
+          </a:prstGeom>
+        </p:spPr>
+        <p:txBody>
+          <a:bodyPr spcFirstLastPara="1" wrap="square" lIns="91425" tIns="91425" rIns="91425" bIns="91425" anchor="t" anchorCtr="0">
+            <a:noAutofit/>
+          </a:bodyPr>
+          <a:lstStyle/>
+          <a:p>
+            <a:pPr marL="0" lvl="0" indent="0">
+              <a:spcBef>
+                <a:spcPts val="0"/>
+              </a:spcBef>
+              <a:spcAft>
+                <a:spcPts val="0"/>
+              </a:spcAft>
+              <a:buNone/>
+            </a:pPr>
+            <a:endParaRPr/>
           </a:p>
         </p:txBody>
       </p:sp>
     </p:spTree>
     <p:extLst>
       <p:ext uri="{BB962C8B-B14F-4D97-AF65-F5344CB8AC3E}">
-        <p14:creationId xmlns:p14="http://schemas.microsoft.com/office/powerpoint/2010/main" val="1652943864"/>
+        <p14:creationId xmlns:p14="http://schemas.microsoft.com/office/powerpoint/2010/main" val="3590505115"/>
       </p:ext>
     </p:extLst>
   </p:cSld>
@@ -1384,7 +1423,7 @@
     </p:spTree>
     <p:extLst>
       <p:ext uri="{BB962C8B-B14F-4D97-AF65-F5344CB8AC3E}">
-        <p14:creationId xmlns:p14="http://schemas.microsoft.com/office/powerpoint/2010/main" val="3179569961"/>
+        <p14:creationId xmlns:p14="http://schemas.microsoft.com/office/powerpoint/2010/main" val="1652943864"/>
       </p:ext>
     </p:extLst>
   </p:cSld>
@@ -1395,11 +1434,11 @@
 </file>
 
 <file path=ppt/notesSlides/notesSlide8.xml><?xml version="1.0" encoding="utf-8"?>
-<p:notes xmlns:a="http://schemas.openxmlformats.org/drawingml/2006/main" xmlns:r="http://schemas.openxmlformats.org/officeDocument/2006/relationships" xmlns:p="http://schemas.openxmlformats.org/presentationml/2006/main" showMasterSp="0" showMasterPhAnim="0">
+<p:notes xmlns:a="http://schemas.openxmlformats.org/drawingml/2006/main" xmlns:r="http://schemas.openxmlformats.org/officeDocument/2006/relationships" xmlns:p="http://schemas.openxmlformats.org/presentationml/2006/main">
   <p:cSld>
     <p:spTree>
       <p:nvGrpSpPr>
-        <p:cNvPr id="1" name="Shape 50"/>
+        <p:cNvPr id="1" name=""/>
         <p:cNvGrpSpPr/>
         <p:nvPr/>
       </p:nvGrpSpPr>
@@ -1413,12 +1452,12 @@
       </p:grpSpPr>
       <p:sp>
         <p:nvSpPr>
-          <p:cNvPr id="51" name="Shape 51"/>
+          <p:cNvPr id="2" name="Marcador de imagen de diapositiva 1"/>
           <p:cNvSpPr>
             <a:spLocks noGrp="1" noRot="1" noChangeAspect="1"/>
           </p:cNvSpPr>
           <p:nvPr>
-            <p:ph type="sldImg" idx="2"/>
+            <p:ph type="sldImg"/>
           </p:nvPr>
         </p:nvSpPr>
         <p:spPr>
@@ -1426,74 +1465,35 @@
             <a:off x="381000" y="685800"/>
             <a:ext cx="6096000" cy="3429000"/>
           </a:xfrm>
-          <a:custGeom>
-            <a:avLst/>
-            <a:gdLst/>
-            <a:ahLst/>
-            <a:cxnLst/>
-            <a:rect l="0" t="0" r="0" b="0"/>
-            <a:pathLst>
-              <a:path w="120000" h="120000" extrusionOk="0">
-                <a:moveTo>
-                  <a:pt x="0" y="0"/>
-                </a:moveTo>
-                <a:lnTo>
-                  <a:pt x="120000" y="0"/>
-                </a:lnTo>
-                <a:lnTo>
-                  <a:pt x="120000" y="120000"/>
-                </a:lnTo>
-                <a:lnTo>
-                  <a:pt x="0" y="120000"/>
-                </a:lnTo>
-                <a:close/>
-              </a:path>
-            </a:pathLst>
-          </a:custGeom>
-        </p:spPr>
-      </p:sp>
-      <p:sp>
-        <p:nvSpPr>
-          <p:cNvPr id="52" name="Shape 52"/>
-          <p:cNvSpPr txBox="1">
+        </p:spPr>
+      </p:sp>
+      <p:sp>
+        <p:nvSpPr>
+          <p:cNvPr id="3" name="Marcador de notas 2"/>
+          <p:cNvSpPr>
             <a:spLocks noGrp="1"/>
           </p:cNvSpPr>
           <p:nvPr>
             <p:ph type="body" idx="1"/>
           </p:nvPr>
         </p:nvSpPr>
-        <p:spPr>
-          <a:xfrm>
-            <a:off x="685800" y="4343400"/>
-            <a:ext cx="5486400" cy="4114800"/>
-          </a:xfrm>
-          <a:prstGeom prst="rect">
-            <a:avLst/>
-          </a:prstGeom>
-        </p:spPr>
-        <p:txBody>
-          <a:bodyPr spcFirstLastPara="1" wrap="square" lIns="91425" tIns="91425" rIns="91425" bIns="91425" anchor="t" anchorCtr="0">
-            <a:noAutofit/>
-          </a:bodyPr>
-          <a:lstStyle/>
-          <a:p>
-            <a:pPr marL="0" lvl="0" indent="0">
-              <a:spcBef>
-                <a:spcPts val="0"/>
-              </a:spcBef>
-              <a:spcAft>
-                <a:spcPts val="0"/>
-              </a:spcAft>
-              <a:buNone/>
-            </a:pPr>
-            <a:endParaRPr/>
+        <p:spPr/>
+        <p:txBody>
+          <a:bodyPr/>
+          <a:lstStyle/>
+          <a:p>
+            <a:r>
+              <a:rPr lang="es-ES" dirty="0" smtClean="0"/>
+              <a:t>PRIMERO HAY QUE VER EL ONTOUCHLISTENER</a:t>
+            </a:r>
+            <a:endParaRPr lang="es-CO" dirty="0"/>
           </a:p>
         </p:txBody>
       </p:sp>
     </p:spTree>
     <p:extLst>
       <p:ext uri="{BB962C8B-B14F-4D97-AF65-F5344CB8AC3E}">
-        <p14:creationId xmlns:p14="http://schemas.microsoft.com/office/powerpoint/2010/main" val="1003307954"/>
+        <p14:creationId xmlns:p14="http://schemas.microsoft.com/office/powerpoint/2010/main" val="3179569961"/>
       </p:ext>
     </p:extLst>
   </p:cSld>
@@ -1838,7 +1838,7 @@
           <a:p>
             <a:fld id="{7F8E3347-EFDA-483A-9E95-BDA4F3B6010F}" type="datetimeFigureOut">
               <a:rPr lang="en-US" smtClean="0"/>
-              <a:t>1/5/2020</a:t>
+              <a:t>1/28/2020</a:t>
             </a:fld>
             <a:endParaRPr lang="en-US"/>
           </a:p>
@@ -2064,7 +2064,7 @@
           <a:p>
             <a:fld id="{7F8E3347-EFDA-483A-9E95-BDA4F3B6010F}" type="datetimeFigureOut">
               <a:rPr lang="en-US" smtClean="0"/>
-              <a:t>1/5/2020</a:t>
+              <a:t>1/28/2020</a:t>
             </a:fld>
             <a:endParaRPr lang="en-US"/>
           </a:p>
@@ -2338,7 +2338,7 @@
           <a:p>
             <a:fld id="{7F8E3347-EFDA-483A-9E95-BDA4F3B6010F}" type="datetimeFigureOut">
               <a:rPr lang="en-US" smtClean="0"/>
-              <a:t>1/5/2020</a:t>
+              <a:t>1/28/2020</a:t>
             </a:fld>
             <a:endParaRPr lang="en-US"/>
           </a:p>
@@ -2526,7 +2526,7 @@
           <a:p>
             <a:fld id="{7F8E3347-EFDA-483A-9E95-BDA4F3B6010F}" type="datetimeFigureOut">
               <a:rPr lang="en-US" smtClean="0"/>
-              <a:t>1/5/2020</a:t>
+              <a:t>1/28/2020</a:t>
             </a:fld>
             <a:endParaRPr lang="en-US"/>
           </a:p>
@@ -2879,7 +2879,7 @@
           <a:p>
             <a:fld id="{7F8E3347-EFDA-483A-9E95-BDA4F3B6010F}" type="datetimeFigureOut">
               <a:rPr lang="en-US" smtClean="0"/>
-              <a:t>1/5/2020</a:t>
+              <a:t>1/28/2020</a:t>
             </a:fld>
             <a:endParaRPr lang="en-US"/>
           </a:p>
@@ -3172,7 +3172,7 @@
           <a:p>
             <a:fld id="{7F8E3347-EFDA-483A-9E95-BDA4F3B6010F}" type="datetimeFigureOut">
               <a:rPr lang="en-US" smtClean="0"/>
-              <a:t>1/5/2020</a:t>
+              <a:t>1/28/2020</a:t>
             </a:fld>
             <a:endParaRPr lang="en-US"/>
           </a:p>
@@ -3569,7 +3569,7 @@
           <a:p>
             <a:fld id="{7F8E3347-EFDA-483A-9E95-BDA4F3B6010F}" type="datetimeFigureOut">
               <a:rPr lang="en-US" smtClean="0"/>
-              <a:t>1/5/2020</a:t>
+              <a:t>1/28/2020</a:t>
             </a:fld>
             <a:endParaRPr lang="en-US"/>
           </a:p>
@@ -3705,7 +3705,7 @@
           <a:p>
             <a:fld id="{7F8E3347-EFDA-483A-9E95-BDA4F3B6010F}" type="datetimeFigureOut">
               <a:rPr lang="en-US" smtClean="0"/>
-              <a:t>1/5/2020</a:t>
+              <a:t>1/28/2020</a:t>
             </a:fld>
             <a:endParaRPr lang="en-US"/>
           </a:p>
@@ -3894,7 +3894,7 @@
           <a:p>
             <a:fld id="{7F8E3347-EFDA-483A-9E95-BDA4F3B6010F}" type="datetimeFigureOut">
               <a:rPr lang="en-US" smtClean="0"/>
-              <a:t>1/5/2020</a:t>
+              <a:t>1/28/2020</a:t>
             </a:fld>
             <a:endParaRPr lang="en-US"/>
           </a:p>
@@ -4257,7 +4257,7 @@
           <a:p>
             <a:fld id="{7F8E3347-EFDA-483A-9E95-BDA4F3B6010F}" type="datetimeFigureOut">
               <a:rPr lang="en-US" smtClean="0"/>
-              <a:t>1/5/2020</a:t>
+              <a:t>1/28/2020</a:t>
             </a:fld>
             <a:endParaRPr lang="en-US"/>
           </a:p>
@@ -4652,7 +4652,7 @@
           <a:p>
             <a:fld id="{7F8E3347-EFDA-483A-9E95-BDA4F3B6010F}" type="datetimeFigureOut">
               <a:rPr lang="en-US" smtClean="0"/>
-              <a:t>1/5/2020</a:t>
+              <a:t>1/28/2020</a:t>
             </a:fld>
             <a:endParaRPr lang="en-US"/>
           </a:p>
@@ -4957,7 +4957,7 @@
           <a:p>
             <a:fld id="{7F8E3347-EFDA-483A-9E95-BDA4F3B6010F}" type="datetimeFigureOut">
               <a:rPr lang="en-US" smtClean="0"/>
-              <a:t>1/5/2020</a:t>
+              <a:t>1/28/2020</a:t>
             </a:fld>
             <a:endParaRPr lang="en-US"/>
           </a:p>
@@ -15155,7 +15155,7 @@
             </a:pPr>
             <a:r>
               <a:rPr lang="es" dirty="0" smtClean="0"/>
-              <a:t>Actividad en clase</a:t>
+              <a:t>Intents</a:t>
             </a:r>
             <a:endParaRPr dirty="0"/>
           </a:p>
@@ -15243,7 +15243,7 @@
     </p:spTree>
     <p:extLst>
       <p:ext uri="{BB962C8B-B14F-4D97-AF65-F5344CB8AC3E}">
-        <p14:creationId xmlns:p14="http://schemas.microsoft.com/office/powerpoint/2010/main" val="4205271875"/>
+        <p14:creationId xmlns:p14="http://schemas.microsoft.com/office/powerpoint/2010/main" val="1134330566"/>
       </p:ext>
     </p:extLst>
   </p:cSld>
@@ -15279,7 +15279,7 @@
       </p:grpSpPr>
       <p:sp>
         <p:nvSpPr>
-          <p:cNvPr id="2" name="Título 1"/>
+          <p:cNvPr id="2" name="Title 1"/>
           <p:cNvSpPr>
             <a:spLocks noGrp="1"/>
           </p:cNvSpPr>
@@ -15293,35 +15293,27 @@
           <a:lstStyle/>
           <a:p>
             <a:r>
-              <a:rPr lang="es-ES" dirty="0" smtClean="0"/>
-              <a:t>ACTIVIDAD EN CLASE</a:t>
-            </a:r>
-            <a:endParaRPr lang="es-CO" dirty="0"/>
-          </a:p>
-        </p:txBody>
-      </p:sp>
-      <p:sp>
-        <p:nvSpPr>
-          <p:cNvPr id="4" name="Rectángulo 3"/>
+              <a:rPr lang="es-ES" dirty="0" err="1" smtClean="0"/>
+              <a:t>Intent</a:t>
+            </a:r>
+            <a:endParaRPr lang="en-US" dirty="0"/>
+          </a:p>
+        </p:txBody>
+      </p:sp>
+      <p:sp>
+        <p:nvSpPr>
+          <p:cNvPr id="14" name="Rectangle 13"/>
           <p:cNvSpPr/>
           <p:nvPr/>
         </p:nvSpPr>
         <p:spPr>
           <a:xfrm>
-            <a:off x="5868144" y="1635646"/>
-            <a:ext cx="1656184" cy="2664296"/>
+            <a:off x="2555776" y="1635646"/>
+            <a:ext cx="1399685" cy="1076554"/>
           </a:xfrm>
           <a:prstGeom prst="rect">
             <a:avLst/>
           </a:prstGeom>
-          <a:solidFill>
-            <a:schemeClr val="bg1"/>
-          </a:solidFill>
-          <a:ln>
-            <a:solidFill>
-              <a:schemeClr val="accent1"/>
-            </a:solidFill>
-          </a:ln>
         </p:spPr>
         <p:style>
           <a:lnRef idx="2">
@@ -15344,20 +15336,180 @@
           <a:lstStyle/>
           <a:p>
             <a:pPr algn="ctr"/>
-            <a:endParaRPr lang="es-CO"/>
+            <a:r>
+              <a:rPr lang="es-ES" dirty="0" smtClean="0">
+                <a:solidFill>
+                  <a:schemeClr val="bg1"/>
+                </a:solidFill>
+              </a:rPr>
+              <a:t>Activity1</a:t>
+            </a:r>
+            <a:endParaRPr lang="en-US" dirty="0">
+              <a:solidFill>
+                <a:schemeClr val="bg1"/>
+              </a:solidFill>
+            </a:endParaRPr>
+          </a:p>
+        </p:txBody>
+      </p:sp>
+      <p:sp>
+        <p:nvSpPr>
+          <p:cNvPr id="16" name="Rectangle 15"/>
+          <p:cNvSpPr/>
+          <p:nvPr/>
+        </p:nvSpPr>
+        <p:spPr>
+          <a:xfrm>
+            <a:off x="4860032" y="1639212"/>
+            <a:ext cx="1399685" cy="1076554"/>
+          </a:xfrm>
+          <a:prstGeom prst="rect">
+            <a:avLst/>
+          </a:prstGeom>
+        </p:spPr>
+        <p:style>
+          <a:lnRef idx="2">
+            <a:schemeClr val="accent1">
+              <a:shade val="50000"/>
+            </a:schemeClr>
+          </a:lnRef>
+          <a:fillRef idx="1">
+            <a:schemeClr val="accent1"/>
+          </a:fillRef>
+          <a:effectRef idx="0">
+            <a:schemeClr val="accent1"/>
+          </a:effectRef>
+          <a:fontRef idx="minor">
+            <a:schemeClr val="lt1"/>
+          </a:fontRef>
+        </p:style>
+        <p:txBody>
+          <a:bodyPr rtlCol="0" anchor="ctr"/>
+          <a:lstStyle/>
+          <a:p>
+            <a:pPr algn="ctr"/>
+            <a:r>
+              <a:rPr lang="es-ES" dirty="0" smtClean="0">
+                <a:solidFill>
+                  <a:schemeClr val="bg1"/>
+                </a:solidFill>
+              </a:rPr>
+              <a:t>Activity2</a:t>
+            </a:r>
+            <a:endParaRPr lang="en-US" dirty="0">
+              <a:solidFill>
+                <a:schemeClr val="bg1"/>
+              </a:solidFill>
+            </a:endParaRPr>
+          </a:p>
+        </p:txBody>
+      </p:sp>
+      <p:cxnSp>
+        <p:nvCxnSpPr>
+          <p:cNvPr id="13" name="Straight Arrow Connector 12"/>
+          <p:cNvCxnSpPr>
+            <a:stCxn id="14" idx="3"/>
+            <a:endCxn id="16" idx="1"/>
+          </p:cNvCxnSpPr>
+          <p:nvPr/>
+        </p:nvCxnSpPr>
+        <p:spPr>
+          <a:xfrm>
+            <a:off x="3955461" y="2173923"/>
+            <a:ext cx="904571" cy="3566"/>
+          </a:xfrm>
+          <a:prstGeom prst="straightConnector1">
+            <a:avLst/>
+          </a:prstGeom>
+          <a:ln>
+            <a:solidFill>
+              <a:schemeClr val="tx1"/>
+            </a:solidFill>
+            <a:tailEnd type="triangle"/>
+          </a:ln>
+        </p:spPr>
+        <p:style>
+          <a:lnRef idx="1">
+            <a:schemeClr val="accent1"/>
+          </a:lnRef>
+          <a:fillRef idx="0">
+            <a:schemeClr val="accent1"/>
+          </a:fillRef>
+          <a:effectRef idx="0">
+            <a:schemeClr val="accent1"/>
+          </a:effectRef>
+          <a:fontRef idx="minor">
+            <a:schemeClr val="tx1"/>
+          </a:fontRef>
+        </p:style>
+      </p:cxnSp>
+      <p:sp>
+        <p:nvSpPr>
+          <p:cNvPr id="18" name="Rectangle 17"/>
+          <p:cNvSpPr/>
+          <p:nvPr/>
+        </p:nvSpPr>
+        <p:spPr>
+          <a:xfrm>
+            <a:off x="749199" y="3016999"/>
+            <a:ext cx="4572000" cy="307777"/>
+          </a:xfrm>
+          <a:prstGeom prst="rect">
+            <a:avLst/>
+          </a:prstGeom>
+        </p:spPr>
+        <p:txBody>
+          <a:bodyPr>
+            <a:spAutoFit/>
+          </a:bodyPr>
+          <a:lstStyle/>
+          <a:p>
+            <a:r>
+              <a:rPr lang="es-ES" dirty="0" smtClean="0">
+                <a:solidFill>
+                  <a:schemeClr val="tx1"/>
+                </a:solidFill>
+                <a:latin typeface="+mj-lt"/>
+              </a:rPr>
+              <a:t>El </a:t>
+            </a:r>
+            <a:r>
+              <a:rPr lang="es-ES" dirty="0" err="1" smtClean="0">
+                <a:solidFill>
+                  <a:schemeClr val="tx1"/>
+                </a:solidFill>
+                <a:latin typeface="+mj-lt"/>
+              </a:rPr>
+              <a:t>Intent</a:t>
+            </a:r>
+            <a:r>
+              <a:rPr lang="es-ES" dirty="0" smtClean="0">
+                <a:solidFill>
+                  <a:schemeClr val="tx1"/>
+                </a:solidFill>
+                <a:latin typeface="+mj-lt"/>
+              </a:rPr>
+              <a:t> permite navegar de una actividad a otra</a:t>
+            </a:r>
+            <a:endParaRPr lang="es-ES" i="1" dirty="0">
+              <a:solidFill>
+                <a:schemeClr val="tx1"/>
+              </a:solidFill>
+              <a:latin typeface="+mj-lt"/>
+            </a:endParaRPr>
           </a:p>
         </p:txBody>
       </p:sp>
       <p:pic>
         <p:nvPicPr>
-          <p:cNvPr id="12" name="Picture 6" descr="Resultado de imagen de icesi logo blanco&quot;"/>
+          <p:cNvPr id="8" name="Picture 6" descr="Resultado de imagen de icesi logo blanco&quot;"/>
           <p:cNvPicPr>
             <a:picLocks noChangeAspect="1" noChangeArrowheads="1"/>
           </p:cNvPicPr>
           <p:nvPr/>
         </p:nvPicPr>
         <p:blipFill>
-          <a:blip r:embed="rId3">
+          <a:blip r:embed="rId2">
             <a:extLst>
               <a:ext uri="{28A0092B-C50C-407E-A947-70E740481C1C}">
                 <a14:useLocalDpi xmlns:a14="http://schemas.microsoft.com/office/drawing/2010/main" val="0"/>
@@ -15389,229 +15541,10 @@
           </a:extLst>
         </p:spPr>
       </p:pic>
-      <p:sp>
-        <p:nvSpPr>
-          <p:cNvPr id="16" name="Rectángulo 15"/>
-          <p:cNvSpPr/>
-          <p:nvPr/>
-        </p:nvSpPr>
-        <p:spPr>
-          <a:xfrm>
-            <a:off x="1330949" y="2415782"/>
-            <a:ext cx="1701107" cy="800219"/>
-          </a:xfrm>
-          <a:prstGeom prst="rect">
-            <a:avLst/>
-          </a:prstGeom>
-        </p:spPr>
-        <p:txBody>
-          <a:bodyPr wrap="none">
-            <a:spAutoFit/>
-          </a:bodyPr>
-          <a:lstStyle/>
-          <a:p>
-            <a:pPr algn="ctr"/>
-            <a:r>
-              <a:rPr lang="es-ES" b="1" dirty="0" smtClean="0">
-                <a:solidFill>
-                  <a:schemeClr val="tx1"/>
-                </a:solidFill>
-              </a:rPr>
-              <a:t>ACTIVIDAD</a:t>
-            </a:r>
-            <a:endParaRPr lang="es-ES" b="1" dirty="0" smtClean="0">
-              <a:solidFill>
-                <a:schemeClr val="tx1"/>
-              </a:solidFill>
-            </a:endParaRPr>
-          </a:p>
-          <a:p>
-            <a:pPr algn="ctr"/>
-            <a:r>
-              <a:rPr lang="es-ES" sz="3200" b="1" dirty="0" smtClean="0">
-                <a:solidFill>
-                  <a:schemeClr val="accent2"/>
-                </a:solidFill>
-                <a:latin typeface="Arial Narrow" panose="020B0606020202030204" pitchFamily="34" charset="0"/>
-              </a:rPr>
-              <a:t>SIDEBAR</a:t>
-            </a:r>
-            <a:endParaRPr lang="es-CO" b="1" dirty="0">
-              <a:solidFill>
-                <a:schemeClr val="accent2"/>
-              </a:solidFill>
-              <a:latin typeface="Arial Narrow" panose="020B0606020202030204" pitchFamily="34" charset="0"/>
-            </a:endParaRPr>
-          </a:p>
-        </p:txBody>
-      </p:sp>
-      <p:sp>
-        <p:nvSpPr>
-          <p:cNvPr id="17" name="Rectángulo 16"/>
-          <p:cNvSpPr/>
-          <p:nvPr/>
-        </p:nvSpPr>
-        <p:spPr>
-          <a:xfrm>
-            <a:off x="5878780" y="1635646"/>
-            <a:ext cx="781452" cy="2664296"/>
-          </a:xfrm>
-          <a:prstGeom prst="rect">
-            <a:avLst/>
-          </a:prstGeom>
-          <a:solidFill>
-            <a:schemeClr val="accent2"/>
-          </a:solidFill>
-          <a:ln>
-            <a:solidFill>
-              <a:schemeClr val="accent1"/>
-            </a:solidFill>
-          </a:ln>
-        </p:spPr>
-        <p:style>
-          <a:lnRef idx="2">
-            <a:schemeClr val="accent1">
-              <a:shade val="50000"/>
-            </a:schemeClr>
-          </a:lnRef>
-          <a:fillRef idx="1">
-            <a:schemeClr val="accent1"/>
-          </a:fillRef>
-          <a:effectRef idx="0">
-            <a:schemeClr val="accent1"/>
-          </a:effectRef>
-          <a:fontRef idx="minor">
-            <a:schemeClr val="lt1"/>
-          </a:fontRef>
-        </p:style>
-        <p:txBody>
-          <a:bodyPr rtlCol="0" anchor="ctr"/>
-          <a:lstStyle/>
-          <a:p>
-            <a:r>
-              <a:rPr lang="es-ES" dirty="0" smtClean="0">
-                <a:solidFill>
-                  <a:schemeClr val="bg1"/>
-                </a:solidFill>
-              </a:rPr>
-              <a:t>Home</a:t>
-            </a:r>
-          </a:p>
-          <a:p>
-            <a:r>
-              <a:rPr lang="es-ES" dirty="0" err="1" smtClean="0">
-                <a:solidFill>
-                  <a:schemeClr val="bg1"/>
-                </a:solidFill>
-              </a:rPr>
-              <a:t>Profile</a:t>
-            </a:r>
-            <a:endParaRPr lang="es-ES" dirty="0" smtClean="0">
-              <a:solidFill>
-                <a:schemeClr val="bg1"/>
-              </a:solidFill>
-            </a:endParaRPr>
-          </a:p>
-          <a:p>
-            <a:r>
-              <a:rPr lang="es-ES" dirty="0" err="1" smtClean="0">
-                <a:solidFill>
-                  <a:schemeClr val="bg1"/>
-                </a:solidFill>
-              </a:rPr>
-              <a:t>Search</a:t>
-            </a:r>
-            <a:endParaRPr lang="es-ES" dirty="0" smtClean="0">
-              <a:solidFill>
-                <a:schemeClr val="bg1"/>
-              </a:solidFill>
-            </a:endParaRPr>
-          </a:p>
-          <a:p>
-            <a:r>
-              <a:rPr lang="es-ES" dirty="0" err="1" smtClean="0">
-                <a:solidFill>
-                  <a:schemeClr val="bg1"/>
-                </a:solidFill>
-              </a:rPr>
-              <a:t>Exit</a:t>
-            </a:r>
-            <a:endParaRPr lang="es-ES" dirty="0" smtClean="0">
-              <a:solidFill>
-                <a:schemeClr val="bg1"/>
-              </a:solidFill>
-            </a:endParaRPr>
-          </a:p>
-          <a:p>
-            <a:pPr algn="ctr"/>
-            <a:endParaRPr lang="es-ES" dirty="0">
-              <a:solidFill>
-                <a:schemeClr val="bg1"/>
-              </a:solidFill>
-            </a:endParaRPr>
-          </a:p>
-          <a:p>
-            <a:pPr algn="ctr"/>
-            <a:endParaRPr lang="es-ES" dirty="0" smtClean="0">
-              <a:solidFill>
-                <a:schemeClr val="bg1"/>
-              </a:solidFill>
-            </a:endParaRPr>
-          </a:p>
-          <a:p>
-            <a:pPr algn="ctr"/>
-            <a:endParaRPr lang="es-ES" dirty="0">
-              <a:solidFill>
-                <a:schemeClr val="bg1"/>
-              </a:solidFill>
-            </a:endParaRPr>
-          </a:p>
-          <a:p>
-            <a:pPr algn="ctr"/>
-            <a:endParaRPr lang="es-ES" dirty="0" smtClean="0">
-              <a:solidFill>
-                <a:schemeClr val="bg1"/>
-              </a:solidFill>
-            </a:endParaRPr>
-          </a:p>
-          <a:p>
-            <a:pPr algn="ctr"/>
-            <a:endParaRPr lang="es-ES" dirty="0">
-              <a:solidFill>
-                <a:schemeClr val="bg1"/>
-              </a:solidFill>
-            </a:endParaRPr>
-          </a:p>
-          <a:p>
-            <a:pPr algn="ctr"/>
-            <a:endParaRPr lang="es-ES" dirty="0" smtClean="0">
-              <a:solidFill>
-                <a:schemeClr val="bg1"/>
-              </a:solidFill>
-            </a:endParaRPr>
-          </a:p>
-          <a:p>
-            <a:pPr algn="ctr"/>
-            <a:endParaRPr lang="es-ES" dirty="0">
-              <a:solidFill>
-                <a:schemeClr val="bg1"/>
-              </a:solidFill>
-            </a:endParaRPr>
-          </a:p>
-          <a:p>
-            <a:pPr algn="ctr"/>
-            <a:endParaRPr lang="es-CO" dirty="0">
-              <a:solidFill>
-                <a:schemeClr val="bg1"/>
-              </a:solidFill>
-            </a:endParaRPr>
-          </a:p>
-        </p:txBody>
-      </p:sp>
     </p:spTree>
     <p:extLst>
       <p:ext uri="{BB962C8B-B14F-4D97-AF65-F5344CB8AC3E}">
-        <p14:creationId xmlns:p14="http://schemas.microsoft.com/office/powerpoint/2010/main" val="831290044"/>
+        <p14:creationId xmlns:p14="http://schemas.microsoft.com/office/powerpoint/2010/main" val="1943426527"/>
       </p:ext>
     </p:extLst>
   </p:cSld>
@@ -16414,7 +16347,7 @@
       </p:grpSpPr>
       <p:sp>
         <p:nvSpPr>
-          <p:cNvPr id="2" name="Título 1"/>
+          <p:cNvPr id="2" name="Title 1"/>
           <p:cNvSpPr>
             <a:spLocks noGrp="1"/>
           </p:cNvSpPr>
@@ -16428,35 +16361,168 @@
           <a:lstStyle/>
           <a:p>
             <a:r>
-              <a:rPr lang="es-ES" dirty="0" smtClean="0"/>
-              <a:t>ACTIVIDAD EN CLASE</a:t>
-            </a:r>
-            <a:endParaRPr lang="es-CO" dirty="0"/>
-          </a:p>
-        </p:txBody>
-      </p:sp>
-      <p:sp>
-        <p:nvSpPr>
-          <p:cNvPr id="4" name="Rectángulo 3"/>
+              <a:rPr lang="es-ES" dirty="0" err="1" smtClean="0"/>
+              <a:t>Intent</a:t>
+            </a:r>
+            <a:endParaRPr lang="en-US" dirty="0"/>
+          </a:p>
+        </p:txBody>
+      </p:sp>
+      <p:sp>
+        <p:nvSpPr>
+          <p:cNvPr id="18" name="Rectangle 17"/>
           <p:cNvSpPr/>
           <p:nvPr/>
         </p:nvSpPr>
         <p:spPr>
           <a:xfrm>
-            <a:off x="5868144" y="1635646"/>
-            <a:ext cx="1656184" cy="2664296"/>
+            <a:off x="1259632" y="3051957"/>
+            <a:ext cx="6768752" cy="954107"/>
           </a:xfrm>
           <a:prstGeom prst="rect">
             <a:avLst/>
           </a:prstGeom>
-          <a:solidFill>
-            <a:schemeClr val="bg1"/>
-          </a:solidFill>
-          <a:ln>
-            <a:solidFill>
-              <a:schemeClr val="accent1"/>
-            </a:solidFill>
-          </a:ln>
+        </p:spPr>
+        <p:txBody>
+          <a:bodyPr wrap="square">
+            <a:spAutoFit/>
+          </a:bodyPr>
+          <a:lstStyle/>
+          <a:p>
+            <a:r>
+              <a:rPr lang="es-ES" dirty="0" smtClean="0">
+                <a:solidFill>
+                  <a:schemeClr val="tx1"/>
+                </a:solidFill>
+                <a:latin typeface="+mj-lt"/>
+              </a:rPr>
+              <a:t>El código es muy simple. Por ejemplo, estando en la Activity1 se puede ir a la Activity2 </a:t>
+            </a:r>
+            <a:r>
+              <a:rPr lang="es-ES" dirty="0" err="1" smtClean="0">
+                <a:solidFill>
+                  <a:schemeClr val="tx1"/>
+                </a:solidFill>
+                <a:latin typeface="+mj-lt"/>
+              </a:rPr>
+              <a:t>asi</a:t>
+            </a:r>
+            <a:r>
+              <a:rPr lang="es-ES" dirty="0" smtClean="0">
+                <a:solidFill>
+                  <a:schemeClr val="tx1"/>
+                </a:solidFill>
+                <a:latin typeface="+mj-lt"/>
+              </a:rPr>
+              <a:t>:</a:t>
+            </a:r>
+          </a:p>
+          <a:p>
+            <a:endParaRPr lang="es-ES" dirty="0" smtClean="0">
+              <a:solidFill>
+                <a:schemeClr val="tx1"/>
+              </a:solidFill>
+              <a:latin typeface="+mj-lt"/>
+            </a:endParaRPr>
+          </a:p>
+          <a:p>
+            <a:r>
+              <a:rPr lang="es-ES" dirty="0" err="1" smtClean="0">
+                <a:solidFill>
+                  <a:schemeClr val="tx1"/>
+                </a:solidFill>
+                <a:latin typeface="Consolas" panose="020B0609020204030204" pitchFamily="49" charset="0"/>
+              </a:rPr>
+              <a:t>Intent</a:t>
+            </a:r>
+            <a:r>
+              <a:rPr lang="es-ES" dirty="0" smtClean="0">
+                <a:solidFill>
+                  <a:schemeClr val="tx1"/>
+                </a:solidFill>
+                <a:latin typeface="Consolas" panose="020B0609020204030204" pitchFamily="49" charset="0"/>
+              </a:rPr>
+              <a:t> i = new </a:t>
+            </a:r>
+            <a:r>
+              <a:rPr lang="es-ES" dirty="0" err="1" smtClean="0">
+                <a:solidFill>
+                  <a:schemeClr val="tx1"/>
+                </a:solidFill>
+                <a:latin typeface="Consolas" panose="020B0609020204030204" pitchFamily="49" charset="0"/>
+              </a:rPr>
+              <a:t>Intent</a:t>
+            </a:r>
+            <a:r>
+              <a:rPr lang="es-ES" dirty="0" smtClean="0">
+                <a:solidFill>
+                  <a:schemeClr val="tx1"/>
+                </a:solidFill>
+                <a:latin typeface="Consolas" panose="020B0609020204030204" pitchFamily="49" charset="0"/>
+              </a:rPr>
+              <a:t>(</a:t>
+            </a:r>
+            <a:r>
+              <a:rPr lang="es-ES" dirty="0" err="1" smtClean="0">
+                <a:solidFill>
+                  <a:schemeClr val="tx1"/>
+                </a:solidFill>
+                <a:latin typeface="Consolas" panose="020B0609020204030204" pitchFamily="49" charset="0"/>
+              </a:rPr>
+              <a:t>this</a:t>
+            </a:r>
+            <a:r>
+              <a:rPr lang="es-ES" dirty="0" smtClean="0">
+                <a:solidFill>
+                  <a:schemeClr val="tx1"/>
+                </a:solidFill>
+                <a:latin typeface="Consolas" panose="020B0609020204030204" pitchFamily="49" charset="0"/>
+              </a:rPr>
+              <a:t>, Activity2.class);</a:t>
+            </a:r>
+          </a:p>
+          <a:p>
+            <a:r>
+              <a:rPr lang="es-ES" dirty="0" err="1" smtClean="0">
+                <a:solidFill>
+                  <a:schemeClr val="tx1"/>
+                </a:solidFill>
+                <a:latin typeface="Consolas" panose="020B0609020204030204" pitchFamily="49" charset="0"/>
+              </a:rPr>
+              <a:t>startActivity</a:t>
+            </a:r>
+            <a:r>
+              <a:rPr lang="es-ES" dirty="0" smtClean="0">
+                <a:solidFill>
+                  <a:schemeClr val="tx1"/>
+                </a:solidFill>
+                <a:latin typeface="Consolas" panose="020B0609020204030204" pitchFamily="49" charset="0"/>
+              </a:rPr>
+              <a:t>(i);</a:t>
+            </a:r>
+            <a:endParaRPr lang="es-ES" dirty="0">
+              <a:solidFill>
+                <a:schemeClr val="tx1"/>
+              </a:solidFill>
+              <a:latin typeface="Consolas" panose="020B0609020204030204" pitchFamily="49" charset="0"/>
+            </a:endParaRPr>
+          </a:p>
+        </p:txBody>
+      </p:sp>
+      <p:sp>
+        <p:nvSpPr>
+          <p:cNvPr id="8" name="Rectangle 13"/>
+          <p:cNvSpPr/>
+          <p:nvPr/>
+        </p:nvSpPr>
+        <p:spPr>
+          <a:xfrm>
+            <a:off x="2555776" y="1635646"/>
+            <a:ext cx="1399685" cy="1076554"/>
+          </a:xfrm>
+          <a:prstGeom prst="rect">
+            <a:avLst/>
+          </a:prstGeom>
         </p:spPr>
         <p:style>
           <a:lnRef idx="2">
@@ -16479,20 +16545,120 @@
           <a:lstStyle/>
           <a:p>
             <a:pPr algn="ctr"/>
-            <a:endParaRPr lang="es-CO"/>
-          </a:p>
-        </p:txBody>
-      </p:sp>
+            <a:r>
+              <a:rPr lang="es-ES" dirty="0" smtClean="0">
+                <a:solidFill>
+                  <a:schemeClr val="bg1"/>
+                </a:solidFill>
+              </a:rPr>
+              <a:t>Activity1</a:t>
+            </a:r>
+            <a:endParaRPr lang="en-US" dirty="0">
+              <a:solidFill>
+                <a:schemeClr val="bg1"/>
+              </a:solidFill>
+            </a:endParaRPr>
+          </a:p>
+        </p:txBody>
+      </p:sp>
+      <p:sp>
+        <p:nvSpPr>
+          <p:cNvPr id="9" name="Rectangle 15"/>
+          <p:cNvSpPr/>
+          <p:nvPr/>
+        </p:nvSpPr>
+        <p:spPr>
+          <a:xfrm>
+            <a:off x="4860032" y="1639212"/>
+            <a:ext cx="1399685" cy="1076554"/>
+          </a:xfrm>
+          <a:prstGeom prst="rect">
+            <a:avLst/>
+          </a:prstGeom>
+        </p:spPr>
+        <p:style>
+          <a:lnRef idx="2">
+            <a:schemeClr val="accent1">
+              <a:shade val="50000"/>
+            </a:schemeClr>
+          </a:lnRef>
+          <a:fillRef idx="1">
+            <a:schemeClr val="accent1"/>
+          </a:fillRef>
+          <a:effectRef idx="0">
+            <a:schemeClr val="accent1"/>
+          </a:effectRef>
+          <a:fontRef idx="minor">
+            <a:schemeClr val="lt1"/>
+          </a:fontRef>
+        </p:style>
+        <p:txBody>
+          <a:bodyPr rtlCol="0" anchor="ctr"/>
+          <a:lstStyle/>
+          <a:p>
+            <a:pPr algn="ctr"/>
+            <a:r>
+              <a:rPr lang="es-ES" dirty="0" smtClean="0">
+                <a:solidFill>
+                  <a:schemeClr val="bg1"/>
+                </a:solidFill>
+              </a:rPr>
+              <a:t>Activity2</a:t>
+            </a:r>
+            <a:endParaRPr lang="en-US" dirty="0">
+              <a:solidFill>
+                <a:schemeClr val="bg1"/>
+              </a:solidFill>
+            </a:endParaRPr>
+          </a:p>
+        </p:txBody>
+      </p:sp>
+      <p:cxnSp>
+        <p:nvCxnSpPr>
+          <p:cNvPr id="10" name="Straight Arrow Connector 12"/>
+          <p:cNvCxnSpPr/>
+          <p:nvPr/>
+        </p:nvCxnSpPr>
+        <p:spPr>
+          <a:xfrm>
+            <a:off x="3955461" y="2173923"/>
+            <a:ext cx="904571" cy="3566"/>
+          </a:xfrm>
+          <a:prstGeom prst="straightConnector1">
+            <a:avLst/>
+          </a:prstGeom>
+          <a:ln>
+            <a:solidFill>
+              <a:schemeClr val="tx1"/>
+            </a:solidFill>
+            <a:tailEnd type="triangle"/>
+          </a:ln>
+        </p:spPr>
+        <p:style>
+          <a:lnRef idx="1">
+            <a:schemeClr val="accent1"/>
+          </a:lnRef>
+          <a:fillRef idx="0">
+            <a:schemeClr val="accent1"/>
+          </a:fillRef>
+          <a:effectRef idx="0">
+            <a:schemeClr val="accent1"/>
+          </a:effectRef>
+          <a:fontRef idx="minor">
+            <a:schemeClr val="tx1"/>
+          </a:fontRef>
+        </p:style>
+      </p:cxnSp>
       <p:pic>
         <p:nvPicPr>
-          <p:cNvPr id="12" name="Picture 6" descr="Resultado de imagen de icesi logo blanco&quot;"/>
+          <p:cNvPr id="11" name="Picture 6" descr="Resultado de imagen de icesi logo blanco&quot;"/>
           <p:cNvPicPr>
             <a:picLocks noChangeAspect="1" noChangeArrowheads="1"/>
           </p:cNvPicPr>
           <p:nvPr/>
         </p:nvPicPr>
         <p:blipFill>
-          <a:blip r:embed="rId3">
+          <a:blip r:embed="rId2">
             <a:extLst>
               <a:ext uri="{28A0092B-C50C-407E-A947-70E740481C1C}">
                 <a14:useLocalDpi xmlns:a14="http://schemas.microsoft.com/office/drawing/2010/main" val="0"/>
@@ -16524,232 +16690,10 @@
           </a:extLst>
         </p:spPr>
       </p:pic>
-      <p:sp>
-        <p:nvSpPr>
-          <p:cNvPr id="17" name="Rectángulo 16"/>
-          <p:cNvSpPr/>
-          <p:nvPr/>
-        </p:nvSpPr>
-        <p:spPr>
-          <a:xfrm>
-            <a:off x="5878780" y="1635646"/>
-            <a:ext cx="781452" cy="2664296"/>
-          </a:xfrm>
-          <a:prstGeom prst="rect">
-            <a:avLst/>
-          </a:prstGeom>
-          <a:solidFill>
-            <a:schemeClr val="accent2"/>
-          </a:solidFill>
-          <a:ln>
-            <a:solidFill>
-              <a:schemeClr val="accent1"/>
-            </a:solidFill>
-          </a:ln>
-        </p:spPr>
-        <p:style>
-          <a:lnRef idx="2">
-            <a:schemeClr val="accent1">
-              <a:shade val="50000"/>
-            </a:schemeClr>
-          </a:lnRef>
-          <a:fillRef idx="1">
-            <a:schemeClr val="accent1"/>
-          </a:fillRef>
-          <a:effectRef idx="0">
-            <a:schemeClr val="accent1"/>
-          </a:effectRef>
-          <a:fontRef idx="minor">
-            <a:schemeClr val="lt1"/>
-          </a:fontRef>
-        </p:style>
-        <p:txBody>
-          <a:bodyPr rtlCol="0" anchor="ctr"/>
-          <a:lstStyle/>
-          <a:p>
-            <a:r>
-              <a:rPr lang="es-ES" dirty="0" smtClean="0">
-                <a:solidFill>
-                  <a:schemeClr val="bg1"/>
-                </a:solidFill>
-              </a:rPr>
-              <a:t>Home</a:t>
-            </a:r>
-          </a:p>
-          <a:p>
-            <a:r>
-              <a:rPr lang="es-ES" dirty="0" err="1" smtClean="0">
-                <a:solidFill>
-                  <a:schemeClr val="bg1"/>
-                </a:solidFill>
-              </a:rPr>
-              <a:t>Profile</a:t>
-            </a:r>
-            <a:endParaRPr lang="es-ES" dirty="0" smtClean="0">
-              <a:solidFill>
-                <a:schemeClr val="bg1"/>
-              </a:solidFill>
-            </a:endParaRPr>
-          </a:p>
-          <a:p>
-            <a:r>
-              <a:rPr lang="es-ES" dirty="0" err="1" smtClean="0">
-                <a:solidFill>
-                  <a:schemeClr val="bg1"/>
-                </a:solidFill>
-              </a:rPr>
-              <a:t>Search</a:t>
-            </a:r>
-            <a:endParaRPr lang="es-ES" dirty="0" smtClean="0">
-              <a:solidFill>
-                <a:schemeClr val="bg1"/>
-              </a:solidFill>
-            </a:endParaRPr>
-          </a:p>
-          <a:p>
-            <a:r>
-              <a:rPr lang="es-ES" dirty="0" err="1" smtClean="0">
-                <a:solidFill>
-                  <a:schemeClr val="bg1"/>
-                </a:solidFill>
-              </a:rPr>
-              <a:t>Exit</a:t>
-            </a:r>
-            <a:endParaRPr lang="es-ES" dirty="0" smtClean="0">
-              <a:solidFill>
-                <a:schemeClr val="bg1"/>
-              </a:solidFill>
-            </a:endParaRPr>
-          </a:p>
-          <a:p>
-            <a:pPr algn="ctr"/>
-            <a:endParaRPr lang="es-ES" dirty="0">
-              <a:solidFill>
-                <a:schemeClr val="bg1"/>
-              </a:solidFill>
-            </a:endParaRPr>
-          </a:p>
-          <a:p>
-            <a:pPr algn="ctr"/>
-            <a:endParaRPr lang="es-ES" dirty="0" smtClean="0">
-              <a:solidFill>
-                <a:schemeClr val="bg1"/>
-              </a:solidFill>
-            </a:endParaRPr>
-          </a:p>
-          <a:p>
-            <a:pPr algn="ctr"/>
-            <a:endParaRPr lang="es-ES" dirty="0">
-              <a:solidFill>
-                <a:schemeClr val="bg1"/>
-              </a:solidFill>
-            </a:endParaRPr>
-          </a:p>
-          <a:p>
-            <a:pPr algn="ctr"/>
-            <a:endParaRPr lang="es-ES" dirty="0" smtClean="0">
-              <a:solidFill>
-                <a:schemeClr val="bg1"/>
-              </a:solidFill>
-            </a:endParaRPr>
-          </a:p>
-          <a:p>
-            <a:pPr algn="ctr"/>
-            <a:endParaRPr lang="es-ES" dirty="0">
-              <a:solidFill>
-                <a:schemeClr val="bg1"/>
-              </a:solidFill>
-            </a:endParaRPr>
-          </a:p>
-          <a:p>
-            <a:pPr algn="ctr"/>
-            <a:endParaRPr lang="es-ES" dirty="0" smtClean="0">
-              <a:solidFill>
-                <a:schemeClr val="bg1"/>
-              </a:solidFill>
-            </a:endParaRPr>
-          </a:p>
-          <a:p>
-            <a:pPr algn="ctr"/>
-            <a:endParaRPr lang="es-ES" dirty="0">
-              <a:solidFill>
-                <a:schemeClr val="bg1"/>
-              </a:solidFill>
-            </a:endParaRPr>
-          </a:p>
-          <a:p>
-            <a:pPr algn="ctr"/>
-            <a:endParaRPr lang="es-CO" dirty="0">
-              <a:solidFill>
-                <a:schemeClr val="bg1"/>
-              </a:solidFill>
-            </a:endParaRPr>
-          </a:p>
-        </p:txBody>
-      </p:sp>
-      <p:sp>
-        <p:nvSpPr>
-          <p:cNvPr id="7" name="Marcador de contenido 2"/>
-          <p:cNvSpPr>
-            <a:spLocks noGrp="1"/>
-          </p:cNvSpPr>
-          <p:nvPr>
-            <p:ph idx="1"/>
-          </p:nvPr>
-        </p:nvSpPr>
-        <p:spPr>
-          <a:xfrm>
-            <a:off x="822960" y="1384301"/>
-            <a:ext cx="3018569" cy="3017520"/>
-          </a:xfrm>
-        </p:spPr>
-        <p:txBody>
-          <a:bodyPr/>
-          <a:lstStyle/>
-          <a:p>
-            <a:r>
-              <a:rPr lang="es-ES" dirty="0" smtClean="0"/>
-              <a:t>Intente hacer un menú lateral que salga desde la derecha.</a:t>
-            </a:r>
-          </a:p>
-          <a:p>
-            <a:endParaRPr lang="es-ES" dirty="0"/>
-          </a:p>
-          <a:p>
-            <a:r>
-              <a:rPr lang="es-ES" dirty="0" smtClean="0"/>
-              <a:t>El menú debe salir usando un gesto de deslizamiento.</a:t>
-            </a:r>
-          </a:p>
-          <a:p>
-            <a:endParaRPr lang="es-ES" dirty="0"/>
-          </a:p>
-          <a:p>
-            <a:r>
-              <a:rPr lang="es-ES" dirty="0" smtClean="0"/>
-              <a:t>Hágalo usando el </a:t>
-            </a:r>
-            <a:r>
-              <a:rPr lang="es-ES" dirty="0" err="1" smtClean="0"/>
-              <a:t>onTouchListener</a:t>
-            </a:r>
-            <a:endParaRPr lang="es-ES" dirty="0" smtClean="0"/>
-          </a:p>
-          <a:p>
-            <a:endParaRPr lang="es-ES" dirty="0"/>
-          </a:p>
-          <a:p>
-            <a:r>
-              <a:rPr lang="es-ES" dirty="0" smtClean="0"/>
-              <a:t>Desarróllenlo en parejas</a:t>
-            </a:r>
-          </a:p>
-        </p:txBody>
-      </p:sp>
     </p:spTree>
     <p:extLst>
       <p:ext uri="{BB962C8B-B14F-4D97-AF65-F5344CB8AC3E}">
-        <p14:creationId xmlns:p14="http://schemas.microsoft.com/office/powerpoint/2010/main" val="734066360"/>
+        <p14:creationId xmlns:p14="http://schemas.microsoft.com/office/powerpoint/2010/main" val="2421032811"/>
       </p:ext>
     </p:extLst>
   </p:cSld>
@@ -16771,7 +16715,7 @@
   <p:cSld>
     <p:spTree>
       <p:nvGrpSpPr>
-        <p:cNvPr id="1" name="Shape 53"/>
+        <p:cNvPr id="1" name=""/>
         <p:cNvGrpSpPr/>
         <p:nvPr/>
       </p:nvGrpSpPr>
@@ -16785,90 +16729,234 @@
       </p:grpSpPr>
       <p:sp>
         <p:nvSpPr>
-          <p:cNvPr id="54" name="Shape 54"/>
-          <p:cNvSpPr txBox="1">
+          <p:cNvPr id="2" name="Title 1"/>
+          <p:cNvSpPr>
             <a:spLocks noGrp="1"/>
           </p:cNvSpPr>
           <p:nvPr>
-            <p:ph type="ctrTitle"/>
+            <p:ph type="title"/>
           </p:nvPr>
         </p:nvSpPr>
-        <p:spPr>
+        <p:spPr/>
+        <p:txBody>
+          <a:bodyPr/>
+          <a:lstStyle/>
+          <a:p>
+            <a:r>
+              <a:rPr lang="es-ES" dirty="0" err="1" smtClean="0"/>
+              <a:t>Intent</a:t>
+            </a:r>
+            <a:endParaRPr lang="en-US" dirty="0"/>
+          </a:p>
+        </p:txBody>
+      </p:sp>
+      <p:sp>
+        <p:nvSpPr>
+          <p:cNvPr id="18" name="Rectangle 17"/>
+          <p:cNvSpPr/>
+          <p:nvPr/>
+        </p:nvSpPr>
+        <p:spPr>
+          <a:xfrm>
+            <a:off x="784263" y="3321492"/>
+            <a:ext cx="6768752" cy="523220"/>
+          </a:xfrm>
           <a:prstGeom prst="rect">
             <a:avLst/>
           </a:prstGeom>
         </p:spPr>
         <p:txBody>
-          <a:bodyPr spcFirstLastPara="1" wrap="square" lIns="91425" tIns="91425" rIns="91425" bIns="91425" anchor="b" anchorCtr="0">
-            <a:noAutofit/>
+          <a:bodyPr wrap="square">
+            <a:spAutoFit/>
           </a:bodyPr>
           <a:lstStyle/>
           <a:p>
-            <a:pPr marL="0" lvl="0" indent="0">
-              <a:spcBef>
-                <a:spcPts val="0"/>
-              </a:spcBef>
-              <a:spcAft>
-                <a:spcPts val="0"/>
-              </a:spcAft>
-              <a:buNone/>
-            </a:pPr>
-            <a:r>
-              <a:rPr lang="es" dirty="0" smtClean="0"/>
-              <a:t>Intents</a:t>
-            </a:r>
-            <a:endParaRPr dirty="0"/>
-          </a:p>
-        </p:txBody>
-      </p:sp>
-      <p:sp>
-        <p:nvSpPr>
-          <p:cNvPr id="55" name="Shape 55"/>
-          <p:cNvSpPr txBox="1">
-            <a:spLocks noGrp="1"/>
-          </p:cNvSpPr>
-          <p:nvPr>
-            <p:ph type="subTitle" idx="1"/>
-          </p:nvPr>
-        </p:nvSpPr>
-        <p:spPr>
+            <a:r>
+              <a:rPr lang="es-ES" dirty="0" smtClean="0">
+                <a:solidFill>
+                  <a:schemeClr val="tx1"/>
+                </a:solidFill>
+                <a:latin typeface="+mj-lt"/>
+              </a:rPr>
+              <a:t>Al pasar de una actividad a otra, las vistas se van apilando.</a:t>
+            </a:r>
+            <a:r>
+              <a:rPr lang="es-ES" dirty="0">
+                <a:solidFill>
+                  <a:schemeClr val="tx1"/>
+                </a:solidFill>
+                <a:latin typeface="+mj-lt"/>
+              </a:rPr>
+              <a:t> </a:t>
+            </a:r>
+            <a:r>
+              <a:rPr lang="es-ES" dirty="0" smtClean="0">
+                <a:solidFill>
+                  <a:schemeClr val="tx1"/>
+                </a:solidFill>
+                <a:latin typeface="+mj-lt"/>
+              </a:rPr>
+              <a:t>La que está más próxima al usuario es, por supuesto, la que se muestra en pantalla</a:t>
+            </a:r>
+            <a:endParaRPr lang="es-ES" dirty="0">
+              <a:solidFill>
+                <a:schemeClr val="tx1"/>
+              </a:solidFill>
+              <a:latin typeface="+mj-lt"/>
+            </a:endParaRPr>
+          </a:p>
+        </p:txBody>
+      </p:sp>
+      <p:sp>
+        <p:nvSpPr>
+          <p:cNvPr id="8" name="Rectangle 13"/>
+          <p:cNvSpPr/>
+          <p:nvPr/>
+        </p:nvSpPr>
+        <p:spPr>
+          <a:xfrm>
+            <a:off x="899592" y="1635646"/>
+            <a:ext cx="1399685" cy="1076554"/>
+          </a:xfrm>
           <a:prstGeom prst="rect">
             <a:avLst/>
           </a:prstGeom>
         </p:spPr>
-        <p:txBody>
-          <a:bodyPr spcFirstLastPara="1" wrap="square" lIns="91425" tIns="91425" rIns="91425" bIns="91425" anchor="t" anchorCtr="0">
-            <a:noAutofit/>
-          </a:bodyPr>
-          <a:lstStyle/>
-          <a:p>
-            <a:pPr marL="0" lvl="0" indent="0">
-              <a:spcBef>
-                <a:spcPts val="0"/>
-              </a:spcBef>
-              <a:spcAft>
-                <a:spcPts val="0"/>
-              </a:spcAft>
-              <a:buNone/>
-            </a:pPr>
-            <a:r>
-              <a:rPr lang="es" dirty="0" smtClean="0"/>
-              <a:t>Android</a:t>
-            </a:r>
-            <a:endParaRPr dirty="0"/>
-          </a:p>
-        </p:txBody>
-      </p:sp>
+        <p:style>
+          <a:lnRef idx="2">
+            <a:schemeClr val="accent1">
+              <a:shade val="50000"/>
+            </a:schemeClr>
+          </a:lnRef>
+          <a:fillRef idx="1">
+            <a:schemeClr val="accent1"/>
+          </a:fillRef>
+          <a:effectRef idx="0">
+            <a:schemeClr val="accent1"/>
+          </a:effectRef>
+          <a:fontRef idx="minor">
+            <a:schemeClr val="lt1"/>
+          </a:fontRef>
+        </p:style>
+        <p:txBody>
+          <a:bodyPr rtlCol="0" anchor="ctr"/>
+          <a:lstStyle/>
+          <a:p>
+            <a:pPr algn="ctr"/>
+            <a:r>
+              <a:rPr lang="es-ES" dirty="0" smtClean="0">
+                <a:solidFill>
+                  <a:schemeClr val="bg1"/>
+                </a:solidFill>
+              </a:rPr>
+              <a:t>Activity1</a:t>
+            </a:r>
+            <a:endParaRPr lang="en-US" dirty="0">
+              <a:solidFill>
+                <a:schemeClr val="bg1"/>
+              </a:solidFill>
+            </a:endParaRPr>
+          </a:p>
+        </p:txBody>
+      </p:sp>
+      <p:sp>
+        <p:nvSpPr>
+          <p:cNvPr id="9" name="Rectangle 15"/>
+          <p:cNvSpPr/>
+          <p:nvPr/>
+        </p:nvSpPr>
+        <p:spPr>
+          <a:xfrm>
+            <a:off x="3203848" y="1639212"/>
+            <a:ext cx="1399685" cy="1076554"/>
+          </a:xfrm>
+          <a:prstGeom prst="rect">
+            <a:avLst/>
+          </a:prstGeom>
+        </p:spPr>
+        <p:style>
+          <a:lnRef idx="2">
+            <a:schemeClr val="accent1">
+              <a:shade val="50000"/>
+            </a:schemeClr>
+          </a:lnRef>
+          <a:fillRef idx="1">
+            <a:schemeClr val="accent1"/>
+          </a:fillRef>
+          <a:effectRef idx="0">
+            <a:schemeClr val="accent1"/>
+          </a:effectRef>
+          <a:fontRef idx="minor">
+            <a:schemeClr val="lt1"/>
+          </a:fontRef>
+        </p:style>
+        <p:txBody>
+          <a:bodyPr rtlCol="0" anchor="ctr"/>
+          <a:lstStyle/>
+          <a:p>
+            <a:pPr algn="ctr"/>
+            <a:r>
+              <a:rPr lang="es-ES" dirty="0" smtClean="0">
+                <a:solidFill>
+                  <a:schemeClr val="bg1"/>
+                </a:solidFill>
+              </a:rPr>
+              <a:t>Activity2</a:t>
+            </a:r>
+            <a:endParaRPr lang="en-US" dirty="0">
+              <a:solidFill>
+                <a:schemeClr val="bg1"/>
+              </a:solidFill>
+            </a:endParaRPr>
+          </a:p>
+        </p:txBody>
+      </p:sp>
+      <p:cxnSp>
+        <p:nvCxnSpPr>
+          <p:cNvPr id="10" name="Straight Arrow Connector 12"/>
+          <p:cNvCxnSpPr/>
+          <p:nvPr/>
+        </p:nvCxnSpPr>
+        <p:spPr>
+          <a:xfrm>
+            <a:off x="2299277" y="2173923"/>
+            <a:ext cx="904571" cy="3566"/>
+          </a:xfrm>
+          <a:prstGeom prst="straightConnector1">
+            <a:avLst/>
+          </a:prstGeom>
+          <a:ln>
+            <a:solidFill>
+              <a:schemeClr val="tx1"/>
+            </a:solidFill>
+            <a:tailEnd type="triangle"/>
+          </a:ln>
+        </p:spPr>
+        <p:style>
+          <a:lnRef idx="1">
+            <a:schemeClr val="accent1"/>
+          </a:lnRef>
+          <a:fillRef idx="0">
+            <a:schemeClr val="accent1"/>
+          </a:fillRef>
+          <a:effectRef idx="0">
+            <a:schemeClr val="accent1"/>
+          </a:effectRef>
+          <a:fontRef idx="minor">
+            <a:schemeClr val="tx1"/>
+          </a:fontRef>
+        </p:style>
+      </p:cxnSp>
       <p:pic>
         <p:nvPicPr>
-          <p:cNvPr id="5" name="Picture 6" descr="Resultado de imagen de icesi logo blanco&quot;"/>
+          <p:cNvPr id="11" name="Picture 6" descr="Resultado de imagen de icesi logo blanco&quot;"/>
           <p:cNvPicPr>
             <a:picLocks noChangeAspect="1" noChangeArrowheads="1"/>
           </p:cNvPicPr>
           <p:nvPr/>
         </p:nvPicPr>
         <p:blipFill>
-          <a:blip r:embed="rId3">
+          <a:blip r:embed="rId2">
             <a:extLst>
               <a:ext uri="{28A0092B-C50C-407E-A947-70E740481C1C}">
                 <a14:useLocalDpi xmlns:a14="http://schemas.microsoft.com/office/drawing/2010/main" val="0"/>
@@ -16900,10 +16988,159 @@
           </a:extLst>
         </p:spPr>
       </p:pic>
+      <p:sp>
+        <p:nvSpPr>
+          <p:cNvPr id="12" name="Rectangle 13"/>
+          <p:cNvSpPr/>
+          <p:nvPr/>
+        </p:nvSpPr>
+        <p:spPr>
+          <a:xfrm>
+            <a:off x="7186611" y="1434471"/>
+            <a:ext cx="841774" cy="1076554"/>
+          </a:xfrm>
+          <a:prstGeom prst="rect">
+            <a:avLst/>
+          </a:prstGeom>
+        </p:spPr>
+        <p:style>
+          <a:lnRef idx="2">
+            <a:schemeClr val="accent1">
+              <a:shade val="50000"/>
+            </a:schemeClr>
+          </a:lnRef>
+          <a:fillRef idx="1">
+            <a:schemeClr val="accent1"/>
+          </a:fillRef>
+          <a:effectRef idx="0">
+            <a:schemeClr val="accent1"/>
+          </a:effectRef>
+          <a:fontRef idx="minor">
+            <a:schemeClr val="lt1"/>
+          </a:fontRef>
+        </p:style>
+        <p:txBody>
+          <a:bodyPr rtlCol="0" anchor="t"/>
+          <a:lstStyle/>
+          <a:p>
+            <a:r>
+              <a:rPr lang="en-US" dirty="0" smtClean="0">
+                <a:solidFill>
+                  <a:schemeClr val="bg1"/>
+                </a:solidFill>
+              </a:rPr>
+              <a:t>1</a:t>
+            </a:r>
+            <a:endParaRPr lang="en-US" dirty="0">
+              <a:solidFill>
+                <a:schemeClr val="bg1"/>
+              </a:solidFill>
+            </a:endParaRPr>
+          </a:p>
+        </p:txBody>
+      </p:sp>
+      <p:sp>
+        <p:nvSpPr>
+          <p:cNvPr id="13" name="Rectangle 15"/>
+          <p:cNvSpPr/>
+          <p:nvPr/>
+        </p:nvSpPr>
+        <p:spPr>
+          <a:xfrm>
+            <a:off x="7474642" y="1625256"/>
+            <a:ext cx="841774" cy="1076554"/>
+          </a:xfrm>
+          <a:prstGeom prst="rect">
+            <a:avLst/>
+          </a:prstGeom>
+        </p:spPr>
+        <p:style>
+          <a:lnRef idx="2">
+            <a:schemeClr val="accent1">
+              <a:shade val="50000"/>
+            </a:schemeClr>
+          </a:lnRef>
+          <a:fillRef idx="1">
+            <a:schemeClr val="accent1"/>
+          </a:fillRef>
+          <a:effectRef idx="0">
+            <a:schemeClr val="accent1"/>
+          </a:effectRef>
+          <a:fontRef idx="minor">
+            <a:schemeClr val="lt1"/>
+          </a:fontRef>
+        </p:style>
+        <p:txBody>
+          <a:bodyPr rtlCol="0" anchor="t"/>
+          <a:lstStyle/>
+          <a:p>
+            <a:r>
+              <a:rPr lang="en-US" dirty="0" smtClean="0">
+                <a:solidFill>
+                  <a:schemeClr val="bg1"/>
+                </a:solidFill>
+              </a:rPr>
+              <a:t>2</a:t>
+            </a:r>
+            <a:endParaRPr lang="en-US" dirty="0">
+              <a:solidFill>
+                <a:schemeClr val="bg1"/>
+              </a:solidFill>
+            </a:endParaRPr>
+          </a:p>
+        </p:txBody>
+      </p:sp>
+      <p:sp>
+        <p:nvSpPr>
+          <p:cNvPr id="3" name="CuadroTexto 2"/>
+          <p:cNvSpPr txBox="1"/>
+          <p:nvPr/>
+        </p:nvSpPr>
+        <p:spPr>
+          <a:xfrm>
+            <a:off x="6732240" y="2791497"/>
+            <a:ext cx="2016224" cy="307777"/>
+          </a:xfrm>
+          <a:prstGeom prst="rect">
+            <a:avLst/>
+          </a:prstGeom>
+          <a:noFill/>
+        </p:spPr>
+        <p:txBody>
+          <a:bodyPr wrap="square" rtlCol="0">
+            <a:spAutoFit/>
+          </a:bodyPr>
+          <a:lstStyle/>
+          <a:p>
+            <a:pPr algn="ctr"/>
+            <a:r>
+              <a:rPr lang="es-ES" dirty="0" smtClean="0">
+                <a:solidFill>
+                  <a:schemeClr val="tx1"/>
+                </a:solidFill>
+              </a:rPr>
+              <a:t>Pila de </a:t>
+            </a:r>
+            <a:r>
+              <a:rPr lang="es-ES" dirty="0" err="1" smtClean="0">
+                <a:solidFill>
+                  <a:schemeClr val="tx1"/>
+                </a:solidFill>
+              </a:rPr>
+              <a:t>activities</a:t>
+            </a:r>
+            <a:endParaRPr lang="es-CO" dirty="0">
+              <a:solidFill>
+                <a:schemeClr val="tx1"/>
+              </a:solidFill>
+            </a:endParaRPr>
+          </a:p>
+        </p:txBody>
+      </p:sp>
     </p:spTree>
     <p:extLst>
       <p:ext uri="{BB962C8B-B14F-4D97-AF65-F5344CB8AC3E}">
-        <p14:creationId xmlns:p14="http://schemas.microsoft.com/office/powerpoint/2010/main" val="2971960158"/>
+        <p14:creationId xmlns:p14="http://schemas.microsoft.com/office/powerpoint/2010/main" val="609914145"/>
       </p:ext>
     </p:extLst>
   </p:cSld>
@@ -16962,13 +17199,73 @@
       </p:sp>
       <p:sp>
         <p:nvSpPr>
-          <p:cNvPr id="14" name="Rectangle 13"/>
+          <p:cNvPr id="18" name="Rectangle 17"/>
           <p:cNvSpPr/>
           <p:nvPr/>
         </p:nvSpPr>
         <p:spPr>
           <a:xfrm>
-            <a:off x="2555776" y="1635646"/>
+            <a:off x="784263" y="3321492"/>
+            <a:ext cx="4579825" cy="523220"/>
+          </a:xfrm>
+          <a:prstGeom prst="rect">
+            <a:avLst/>
+          </a:prstGeom>
+        </p:spPr>
+        <p:txBody>
+          <a:bodyPr wrap="square">
+            <a:spAutoFit/>
+          </a:bodyPr>
+          <a:lstStyle/>
+          <a:p>
+            <a:r>
+              <a:rPr lang="es-ES" dirty="0" smtClean="0">
+                <a:solidFill>
+                  <a:schemeClr val="tx1"/>
+                </a:solidFill>
+                <a:latin typeface="+mj-lt"/>
+              </a:rPr>
+              <a:t>Si se cierra la actividad 2, usando el método </a:t>
+            </a:r>
+            <a:r>
+              <a:rPr lang="es-ES" b="1" dirty="0" err="1" smtClean="0">
+                <a:solidFill>
+                  <a:schemeClr val="tx1"/>
+                </a:solidFill>
+                <a:latin typeface="+mj-lt"/>
+              </a:rPr>
+              <a:t>finish</a:t>
+            </a:r>
+            <a:r>
+              <a:rPr lang="es-ES" b="1" dirty="0" smtClean="0">
+                <a:solidFill>
+                  <a:schemeClr val="tx1"/>
+                </a:solidFill>
+                <a:latin typeface="+mj-lt"/>
+              </a:rPr>
+              <a:t>(), </a:t>
+            </a:r>
+            <a:r>
+              <a:rPr lang="es-ES" dirty="0" smtClean="0">
+                <a:solidFill>
+                  <a:schemeClr val="tx1"/>
+                </a:solidFill>
+                <a:latin typeface="+mj-lt"/>
+              </a:rPr>
+              <a:t>la actividad que queda es la que se muestra</a:t>
+            </a:r>
+          </a:p>
+        </p:txBody>
+      </p:sp>
+      <p:sp>
+        <p:nvSpPr>
+          <p:cNvPr id="8" name="Rectangle 13"/>
+          <p:cNvSpPr/>
+          <p:nvPr/>
+        </p:nvSpPr>
+        <p:spPr>
+          <a:xfrm>
+            <a:off x="899592" y="1635646"/>
             <a:ext cx="1399685" cy="1076554"/>
           </a:xfrm>
           <a:prstGeom prst="rect">
@@ -17014,13 +17311,13 @@
       </p:sp>
       <p:sp>
         <p:nvSpPr>
-          <p:cNvPr id="16" name="Rectangle 15"/>
+          <p:cNvPr id="9" name="Rectangle 15"/>
           <p:cNvSpPr/>
           <p:nvPr/>
         </p:nvSpPr>
         <p:spPr>
           <a:xfrm>
-            <a:off x="4860032" y="1639212"/>
+            <a:off x="3203848" y="1639212"/>
             <a:ext cx="1399685" cy="1076554"/>
           </a:xfrm>
           <a:prstGeom prst="rect">
@@ -17064,105 +17361,9 @@
           </a:p>
         </p:txBody>
       </p:sp>
-      <p:cxnSp>
-        <p:nvCxnSpPr>
-          <p:cNvPr id="13" name="Straight Arrow Connector 12"/>
-          <p:cNvCxnSpPr>
-            <a:stCxn id="14" idx="3"/>
-            <a:endCxn id="16" idx="1"/>
-          </p:cNvCxnSpPr>
-          <p:nvPr/>
-        </p:nvCxnSpPr>
-        <p:spPr>
-          <a:xfrm>
-            <a:off x="3955461" y="2173923"/>
-            <a:ext cx="904571" cy="3566"/>
-          </a:xfrm>
-          <a:prstGeom prst="straightConnector1">
-            <a:avLst/>
-          </a:prstGeom>
-          <a:ln>
-            <a:solidFill>
-              <a:schemeClr val="tx1"/>
-            </a:solidFill>
-            <a:tailEnd type="triangle"/>
-          </a:ln>
-        </p:spPr>
-        <p:style>
-          <a:lnRef idx="1">
-            <a:schemeClr val="accent1"/>
-          </a:lnRef>
-          <a:fillRef idx="0">
-            <a:schemeClr val="accent1"/>
-          </a:fillRef>
-          <a:effectRef idx="0">
-            <a:schemeClr val="accent1"/>
-          </a:effectRef>
-          <a:fontRef idx="minor">
-            <a:schemeClr val="tx1"/>
-          </a:fontRef>
-        </p:style>
-      </p:cxnSp>
-      <p:sp>
-        <p:nvSpPr>
-          <p:cNvPr id="18" name="Rectangle 17"/>
-          <p:cNvSpPr/>
-          <p:nvPr/>
-        </p:nvSpPr>
-        <p:spPr>
-          <a:xfrm>
-            <a:off x="749199" y="3016999"/>
-            <a:ext cx="4572000" cy="307777"/>
-          </a:xfrm>
-          <a:prstGeom prst="rect">
-            <a:avLst/>
-          </a:prstGeom>
-        </p:spPr>
-        <p:txBody>
-          <a:bodyPr>
-            <a:spAutoFit/>
-          </a:bodyPr>
-          <a:lstStyle/>
-          <a:p>
-            <a:r>
-              <a:rPr lang="es-ES" dirty="0" smtClean="0">
-                <a:solidFill>
-                  <a:schemeClr val="tx1"/>
-                </a:solidFill>
-                <a:latin typeface="+mj-lt"/>
-              </a:rPr>
-              <a:t>El </a:t>
-            </a:r>
-            <a:r>
-              <a:rPr lang="es-ES" dirty="0" err="1" smtClean="0">
-                <a:solidFill>
-                  <a:schemeClr val="tx1"/>
-                </a:solidFill>
-                <a:latin typeface="+mj-lt"/>
-              </a:rPr>
-              <a:t>Intent</a:t>
-            </a:r>
-            <a:r>
-              <a:rPr lang="es-ES" dirty="0" smtClean="0">
-                <a:solidFill>
-                  <a:schemeClr val="tx1"/>
-                </a:solidFill>
-                <a:latin typeface="+mj-lt"/>
-              </a:rPr>
-              <a:t> permite navegar de una actividad a otra</a:t>
-            </a:r>
-            <a:endParaRPr lang="es-ES" i="1" dirty="0">
-              <a:solidFill>
-                <a:schemeClr val="tx1"/>
-              </a:solidFill>
-              <a:latin typeface="+mj-lt"/>
-            </a:endParaRPr>
-          </a:p>
-        </p:txBody>
-      </p:sp>
       <p:pic>
         <p:nvPicPr>
-          <p:cNvPr id="8" name="Picture 6" descr="Resultado de imagen de icesi logo blanco&quot;"/>
+          <p:cNvPr id="11" name="Picture 6" descr="Resultado de imagen de icesi logo blanco&quot;"/>
           <p:cNvPicPr>
             <a:picLocks noChangeAspect="1" noChangeArrowheads="1"/>
           </p:cNvPicPr>
@@ -17201,10 +17402,259 @@
           </a:extLst>
         </p:spPr>
       </p:pic>
+      <p:sp>
+        <p:nvSpPr>
+          <p:cNvPr id="12" name="Rectangle 13"/>
+          <p:cNvSpPr/>
+          <p:nvPr/>
+        </p:nvSpPr>
+        <p:spPr>
+          <a:xfrm>
+            <a:off x="7186611" y="1434471"/>
+            <a:ext cx="841774" cy="1076554"/>
+          </a:xfrm>
+          <a:prstGeom prst="rect">
+            <a:avLst/>
+          </a:prstGeom>
+        </p:spPr>
+        <p:style>
+          <a:lnRef idx="2">
+            <a:schemeClr val="accent1">
+              <a:shade val="50000"/>
+            </a:schemeClr>
+          </a:lnRef>
+          <a:fillRef idx="1">
+            <a:schemeClr val="accent1"/>
+          </a:fillRef>
+          <a:effectRef idx="0">
+            <a:schemeClr val="accent1"/>
+          </a:effectRef>
+          <a:fontRef idx="minor">
+            <a:schemeClr val="lt1"/>
+          </a:fontRef>
+        </p:style>
+        <p:txBody>
+          <a:bodyPr rtlCol="0" anchor="t"/>
+          <a:lstStyle/>
+          <a:p>
+            <a:r>
+              <a:rPr lang="en-US" dirty="0" smtClean="0">
+                <a:solidFill>
+                  <a:schemeClr val="bg1"/>
+                </a:solidFill>
+              </a:rPr>
+              <a:t>1</a:t>
+            </a:r>
+            <a:endParaRPr lang="en-US" dirty="0">
+              <a:solidFill>
+                <a:schemeClr val="bg1"/>
+              </a:solidFill>
+            </a:endParaRPr>
+          </a:p>
+        </p:txBody>
+      </p:sp>
+      <p:sp>
+        <p:nvSpPr>
+          <p:cNvPr id="13" name="Rectangle 15"/>
+          <p:cNvSpPr/>
+          <p:nvPr/>
+        </p:nvSpPr>
+        <p:spPr>
+          <a:xfrm>
+            <a:off x="7474642" y="1625256"/>
+            <a:ext cx="841774" cy="1076554"/>
+          </a:xfrm>
+          <a:prstGeom prst="rect">
+            <a:avLst/>
+          </a:prstGeom>
+        </p:spPr>
+        <p:style>
+          <a:lnRef idx="2">
+            <a:schemeClr val="accent1">
+              <a:shade val="50000"/>
+            </a:schemeClr>
+          </a:lnRef>
+          <a:fillRef idx="1">
+            <a:schemeClr val="accent1"/>
+          </a:fillRef>
+          <a:effectRef idx="0">
+            <a:schemeClr val="accent1"/>
+          </a:effectRef>
+          <a:fontRef idx="minor">
+            <a:schemeClr val="lt1"/>
+          </a:fontRef>
+        </p:style>
+        <p:txBody>
+          <a:bodyPr rtlCol="0" anchor="t"/>
+          <a:lstStyle/>
+          <a:p>
+            <a:r>
+              <a:rPr lang="en-US" dirty="0" smtClean="0">
+                <a:solidFill>
+                  <a:schemeClr val="bg1"/>
+                </a:solidFill>
+              </a:rPr>
+              <a:t>2</a:t>
+            </a:r>
+            <a:endParaRPr lang="en-US" dirty="0">
+              <a:solidFill>
+                <a:schemeClr val="bg1"/>
+              </a:solidFill>
+            </a:endParaRPr>
+          </a:p>
+        </p:txBody>
+      </p:sp>
+      <p:sp>
+        <p:nvSpPr>
+          <p:cNvPr id="3" name="CuadroTexto 2"/>
+          <p:cNvSpPr txBox="1"/>
+          <p:nvPr/>
+        </p:nvSpPr>
+        <p:spPr>
+          <a:xfrm>
+            <a:off x="6732240" y="2791497"/>
+            <a:ext cx="2016224" cy="307777"/>
+          </a:xfrm>
+          <a:prstGeom prst="rect">
+            <a:avLst/>
+          </a:prstGeom>
+          <a:noFill/>
+        </p:spPr>
+        <p:txBody>
+          <a:bodyPr wrap="square" rtlCol="0">
+            <a:spAutoFit/>
+          </a:bodyPr>
+          <a:lstStyle/>
+          <a:p>
+            <a:pPr algn="ctr"/>
+            <a:r>
+              <a:rPr lang="es-ES" dirty="0" smtClean="0">
+                <a:solidFill>
+                  <a:schemeClr val="tx1"/>
+                </a:solidFill>
+              </a:rPr>
+              <a:t>Pila de </a:t>
+            </a:r>
+            <a:r>
+              <a:rPr lang="es-ES" dirty="0" err="1" smtClean="0">
+                <a:solidFill>
+                  <a:schemeClr val="tx1"/>
+                </a:solidFill>
+              </a:rPr>
+              <a:t>activities</a:t>
+            </a:r>
+            <a:endParaRPr lang="es-CO" dirty="0">
+              <a:solidFill>
+                <a:schemeClr val="tx1"/>
+              </a:solidFill>
+            </a:endParaRPr>
+          </a:p>
+        </p:txBody>
+      </p:sp>
+      <p:sp>
+        <p:nvSpPr>
+          <p:cNvPr id="4" name="Multiplicar 3"/>
+          <p:cNvSpPr/>
+          <p:nvPr/>
+        </p:nvSpPr>
+        <p:spPr>
+          <a:xfrm>
+            <a:off x="2777447" y="1037290"/>
+            <a:ext cx="2252486" cy="2252486"/>
+          </a:xfrm>
+          <a:prstGeom prst="mathMultiply">
+            <a:avLst>
+              <a:gd name="adj1" fmla="val 2881"/>
+            </a:avLst>
+          </a:prstGeom>
+          <a:solidFill>
+            <a:srgbClr val="FF0000"/>
+          </a:solidFill>
+          <a:ln>
+            <a:solidFill>
+              <a:srgbClr val="FF0000"/>
+            </a:solidFill>
+          </a:ln>
+        </p:spPr>
+        <p:style>
+          <a:lnRef idx="2">
+            <a:schemeClr val="accent1">
+              <a:shade val="50000"/>
+            </a:schemeClr>
+          </a:lnRef>
+          <a:fillRef idx="1">
+            <a:schemeClr val="accent1"/>
+          </a:fillRef>
+          <a:effectRef idx="0">
+            <a:schemeClr val="accent1"/>
+          </a:effectRef>
+          <a:fontRef idx="minor">
+            <a:schemeClr val="lt1"/>
+          </a:fontRef>
+        </p:style>
+        <p:txBody>
+          <a:bodyPr rtlCol="0" anchor="ctr"/>
+          <a:lstStyle/>
+          <a:p>
+            <a:pPr algn="ctr"/>
+            <a:endParaRPr lang="es-CO"/>
+          </a:p>
+        </p:txBody>
+      </p:sp>
+      <p:sp>
+        <p:nvSpPr>
+          <p:cNvPr id="14" name="Multiplicar 13"/>
+          <p:cNvSpPr/>
+          <p:nvPr/>
+        </p:nvSpPr>
+        <p:spPr>
+          <a:xfrm>
+            <a:off x="6769286" y="1037290"/>
+            <a:ext cx="2252486" cy="2252486"/>
+          </a:xfrm>
+          <a:prstGeom prst="mathMultiply">
+            <a:avLst>
+              <a:gd name="adj1" fmla="val 2881"/>
+            </a:avLst>
+          </a:prstGeom>
+          <a:solidFill>
+            <a:srgbClr val="FF0000"/>
+          </a:solidFill>
+          <a:ln>
+            <a:solidFill>
+              <a:srgbClr val="FF0000"/>
+            </a:solidFill>
+          </a:ln>
+        </p:spPr>
+        <p:style>
+          <a:lnRef idx="2">
+            <a:schemeClr val="accent1">
+              <a:shade val="50000"/>
+            </a:schemeClr>
+          </a:lnRef>
+          <a:fillRef idx="1">
+            <a:schemeClr val="accent1"/>
+          </a:fillRef>
+          <a:effectRef idx="0">
+            <a:schemeClr val="accent1"/>
+          </a:effectRef>
+          <a:fontRef idx="minor">
+            <a:schemeClr val="lt1"/>
+          </a:fontRef>
+        </p:style>
+        <p:txBody>
+          <a:bodyPr rtlCol="0" anchor="ctr"/>
+          <a:lstStyle/>
+          <a:p>
+            <a:pPr algn="ctr"/>
+            <a:endParaRPr lang="es-CO"/>
+          </a:p>
+        </p:txBody>
+      </p:sp>
     </p:spTree>
     <p:extLst>
       <p:ext uri="{BB962C8B-B14F-4D97-AF65-F5344CB8AC3E}">
-        <p14:creationId xmlns:p14="http://schemas.microsoft.com/office/powerpoint/2010/main" val="3091834484"/>
+        <p14:creationId xmlns:p14="http://schemas.microsoft.com/office/powerpoint/2010/main" val="1089429941"/>
       </p:ext>
     </p:extLst>
   </p:cSld>
@@ -17269,8 +17719,8 @@
         </p:nvSpPr>
         <p:spPr>
           <a:xfrm>
-            <a:off x="1259632" y="3051957"/>
-            <a:ext cx="6768752" cy="954107"/>
+            <a:off x="784263" y="3321492"/>
+            <a:ext cx="4579825" cy="523220"/>
           </a:xfrm>
           <a:prstGeom prst="rect">
             <a:avLst/>
@@ -17289,16 +17739,25 @@
                 </a:solidFill>
                 <a:latin typeface="+mj-lt"/>
               </a:rPr>
-              <a:t>El código es muy simple. Por ejemplo, estando en la Activity1 se puede ir a la Activity2 </a:t>
-            </a:r>
-            <a:r>
-              <a:rPr lang="es-ES" dirty="0" err="1" smtClean="0">
+              <a:t>Si se cierra la actividad 2, usando el método </a:t>
+            </a:r>
+            <a:r>
+              <a:rPr lang="es-ES" b="1" dirty="0" err="1" smtClean="0">
                 <a:solidFill>
                   <a:schemeClr val="tx1"/>
                 </a:solidFill>
                 <a:latin typeface="+mj-lt"/>
               </a:rPr>
-              <a:t>asi</a:t>
+              <a:t>finish</a:t>
+            </a:r>
+            <a:r>
+              <a:rPr lang="es-ES" b="1" dirty="0" smtClean="0">
+                <a:solidFill>
+                  <a:schemeClr val="tx1"/>
+                </a:solidFill>
+                <a:latin typeface="+mj-lt"/>
+              </a:rPr>
+              <a:t>(), </a:t>
             </a:r>
             <a:r>
               <a:rPr lang="es-ES" dirty="0" smtClean="0">
@@ -17307,98 +17766,8 @@
                 </a:solidFill>
                 <a:latin typeface="+mj-lt"/>
               </a:rPr>
-              <a:t>:</a:t>
-            </a:r>
-          </a:p>
-          <a:p>
-            <a:endParaRPr lang="es-ES" dirty="0" smtClean="0">
-              <a:solidFill>
-                <a:schemeClr val="tx1"/>
-              </a:solidFill>
-              <a:latin typeface="+mj-lt"/>
-            </a:endParaRPr>
-          </a:p>
-          <a:p>
-            <a:r>
-              <a:rPr lang="es-ES" dirty="0" err="1" smtClean="0">
-                <a:solidFill>
-                  <a:schemeClr val="tx1"/>
-                </a:solidFill>
-                <a:latin typeface="Consolas" panose="020B0609020204030204" pitchFamily="49" charset="0"/>
-              </a:rPr>
-              <a:t>Intent</a:t>
-            </a:r>
-            <a:r>
-              <a:rPr lang="es-ES" dirty="0" smtClean="0">
-                <a:solidFill>
-                  <a:schemeClr val="tx1"/>
-                </a:solidFill>
-                <a:latin typeface="Consolas" panose="020B0609020204030204" pitchFamily="49" charset="0"/>
-              </a:rPr>
-              <a:t> i = new </a:t>
-            </a:r>
-            <a:r>
-              <a:rPr lang="es-ES" dirty="0" err="1" smtClean="0">
-                <a:solidFill>
-                  <a:schemeClr val="tx1"/>
-                </a:solidFill>
-                <a:latin typeface="Consolas" panose="020B0609020204030204" pitchFamily="49" charset="0"/>
-              </a:rPr>
-              <a:t>Intent</a:t>
-            </a:r>
-            <a:r>
-              <a:rPr lang="es-ES" dirty="0" smtClean="0">
-                <a:solidFill>
-                  <a:schemeClr val="tx1"/>
-                </a:solidFill>
-                <a:latin typeface="Consolas" panose="020B0609020204030204" pitchFamily="49" charset="0"/>
-              </a:rPr>
-              <a:t>(</a:t>
-            </a:r>
-            <a:r>
-              <a:rPr lang="es-ES" dirty="0" err="1" smtClean="0">
-                <a:solidFill>
-                  <a:schemeClr val="tx1"/>
-                </a:solidFill>
-                <a:latin typeface="Consolas" panose="020B0609020204030204" pitchFamily="49" charset="0"/>
-              </a:rPr>
-              <a:t>this</a:t>
-            </a:r>
-            <a:r>
-              <a:rPr lang="es-ES" dirty="0" smtClean="0">
-                <a:solidFill>
-                  <a:schemeClr val="tx1"/>
-                </a:solidFill>
-                <a:latin typeface="Consolas" panose="020B0609020204030204" pitchFamily="49" charset="0"/>
-              </a:rPr>
-              <a:t>, Activity2.class);</a:t>
-            </a:r>
-          </a:p>
-          <a:p>
-            <a:r>
-              <a:rPr lang="es-ES" dirty="0" err="1" smtClean="0">
-                <a:solidFill>
-                  <a:schemeClr val="tx1"/>
-                </a:solidFill>
-                <a:latin typeface="Consolas" panose="020B0609020204030204" pitchFamily="49" charset="0"/>
-              </a:rPr>
-              <a:t>startActivity</a:t>
-            </a:r>
-            <a:r>
-              <a:rPr lang="es-ES" dirty="0" smtClean="0">
-                <a:solidFill>
-                  <a:schemeClr val="tx1"/>
-                </a:solidFill>
-                <a:latin typeface="Consolas" panose="020B0609020204030204" pitchFamily="49" charset="0"/>
-              </a:rPr>
-              <a:t>(i);</a:t>
-            </a:r>
-            <a:endParaRPr lang="es-ES" dirty="0">
-              <a:solidFill>
-                <a:schemeClr val="tx1"/>
-              </a:solidFill>
-              <a:latin typeface="Consolas" panose="020B0609020204030204" pitchFamily="49" charset="0"/>
-            </a:endParaRPr>
+              <a:t>la actividad que queda es la que se muestra</a:t>
+            </a:r>
           </a:p>
         </p:txBody>
       </p:sp>
@@ -17410,7 +17779,7 @@
         </p:nvSpPr>
         <p:spPr>
           <a:xfrm>
-            <a:off x="2555776" y="1635646"/>
+            <a:off x="2092195" y="1635646"/>
             <a:ext cx="1399685" cy="1076554"/>
           </a:xfrm>
           <a:prstGeom prst="rect">
@@ -17454,94 +17823,6 @@
           </a:p>
         </p:txBody>
       </p:sp>
-      <p:sp>
-        <p:nvSpPr>
-          <p:cNvPr id="9" name="Rectangle 15"/>
-          <p:cNvSpPr/>
-          <p:nvPr/>
-        </p:nvSpPr>
-        <p:spPr>
-          <a:xfrm>
-            <a:off x="4860032" y="1639212"/>
-            <a:ext cx="1399685" cy="1076554"/>
-          </a:xfrm>
-          <a:prstGeom prst="rect">
-            <a:avLst/>
-          </a:prstGeom>
-        </p:spPr>
-        <p:style>
-          <a:lnRef idx="2">
-            <a:schemeClr val="accent1">
-              <a:shade val="50000"/>
-            </a:schemeClr>
-          </a:lnRef>
-          <a:fillRef idx="1">
-            <a:schemeClr val="accent1"/>
-          </a:fillRef>
-          <a:effectRef idx="0">
-            <a:schemeClr val="accent1"/>
-          </a:effectRef>
-          <a:fontRef idx="minor">
-            <a:schemeClr val="lt1"/>
-          </a:fontRef>
-        </p:style>
-        <p:txBody>
-          <a:bodyPr rtlCol="0" anchor="ctr"/>
-          <a:lstStyle/>
-          <a:p>
-            <a:pPr algn="ctr"/>
-            <a:r>
-              <a:rPr lang="es-ES" dirty="0" smtClean="0">
-                <a:solidFill>
-                  <a:schemeClr val="bg1"/>
-                </a:solidFill>
-              </a:rPr>
-              <a:t>Activity2</a:t>
-            </a:r>
-            <a:endParaRPr lang="en-US" dirty="0">
-              <a:solidFill>
-                <a:schemeClr val="bg1"/>
-              </a:solidFill>
-            </a:endParaRPr>
-          </a:p>
-        </p:txBody>
-      </p:sp>
-      <p:cxnSp>
-        <p:nvCxnSpPr>
-          <p:cNvPr id="10" name="Straight Arrow Connector 12"/>
-          <p:cNvCxnSpPr/>
-          <p:nvPr/>
-        </p:nvCxnSpPr>
-        <p:spPr>
-          <a:xfrm>
-            <a:off x="3955461" y="2173923"/>
-            <a:ext cx="904571" cy="3566"/>
-          </a:xfrm>
-          <a:prstGeom prst="straightConnector1">
-            <a:avLst/>
-          </a:prstGeom>
-          <a:ln>
-            <a:solidFill>
-              <a:schemeClr val="tx1"/>
-            </a:solidFill>
-            <a:tailEnd type="triangle"/>
-          </a:ln>
-        </p:spPr>
-        <p:style>
-          <a:lnRef idx="1">
-            <a:schemeClr val="accent1"/>
-          </a:lnRef>
-          <a:fillRef idx="0">
-            <a:schemeClr val="accent1"/>
-          </a:fillRef>
-          <a:effectRef idx="0">
-            <a:schemeClr val="accent1"/>
-          </a:effectRef>
-          <a:fontRef idx="minor">
-            <a:schemeClr val="tx1"/>
-          </a:fontRef>
-        </p:style>
-      </p:cxnSp>
       <p:pic>
         <p:nvPicPr>
           <p:cNvPr id="11" name="Picture 6" descr="Resultado de imagen de icesi logo blanco&quot;"/>
@@ -17583,10 +17864,103 @@
           </a:extLst>
         </p:spPr>
       </p:pic>
+      <p:sp>
+        <p:nvSpPr>
+          <p:cNvPr id="13" name="Rectangle 15"/>
+          <p:cNvSpPr/>
+          <p:nvPr/>
+        </p:nvSpPr>
+        <p:spPr>
+          <a:xfrm>
+            <a:off x="7308304" y="1625256"/>
+            <a:ext cx="841774" cy="1076554"/>
+          </a:xfrm>
+          <a:prstGeom prst="rect">
+            <a:avLst/>
+          </a:prstGeom>
+        </p:spPr>
+        <p:style>
+          <a:lnRef idx="2">
+            <a:schemeClr val="accent1">
+              <a:shade val="50000"/>
+            </a:schemeClr>
+          </a:lnRef>
+          <a:fillRef idx="1">
+            <a:schemeClr val="accent1"/>
+          </a:fillRef>
+          <a:effectRef idx="0">
+            <a:schemeClr val="accent1"/>
+          </a:effectRef>
+          <a:fontRef idx="minor">
+            <a:schemeClr val="lt1"/>
+          </a:fontRef>
+        </p:style>
+        <p:txBody>
+          <a:bodyPr rtlCol="0" anchor="t"/>
+          <a:lstStyle/>
+          <a:p>
+            <a:r>
+              <a:rPr lang="en-US" dirty="0">
+                <a:solidFill>
+                  <a:schemeClr val="bg1"/>
+                </a:solidFill>
+              </a:rPr>
+              <a:t>1</a:t>
+            </a:r>
+          </a:p>
+        </p:txBody>
+      </p:sp>
+      <p:sp>
+        <p:nvSpPr>
+          <p:cNvPr id="3" name="CuadroTexto 2"/>
+          <p:cNvSpPr txBox="1"/>
+          <p:nvPr/>
+        </p:nvSpPr>
+        <p:spPr>
+          <a:xfrm>
+            <a:off x="6732240" y="2791497"/>
+            <a:ext cx="2016224" cy="307777"/>
+          </a:xfrm>
+          <a:prstGeom prst="rect">
+            <a:avLst/>
+          </a:prstGeom>
+          <a:noFill/>
+        </p:spPr>
+        <p:txBody>
+          <a:bodyPr wrap="square" rtlCol="0">
+            <a:spAutoFit/>
+          </a:bodyPr>
+          <a:lstStyle/>
+          <a:p>
+            <a:pPr algn="ctr"/>
+            <a:r>
+              <a:rPr lang="es-ES" dirty="0" smtClean="0">
+                <a:solidFill>
+                  <a:schemeClr val="tx1"/>
+                </a:solidFill>
+              </a:rPr>
+              <a:t>Pila de </a:t>
+            </a:r>
+            <a:r>
+              <a:rPr lang="es-ES" dirty="0" err="1" smtClean="0">
+                <a:solidFill>
+                  <a:schemeClr val="tx1"/>
+                </a:solidFill>
+              </a:rPr>
+              <a:t>activities</a:t>
+            </a:r>
+            <a:endParaRPr lang="es-CO" dirty="0">
+              <a:solidFill>
+                <a:schemeClr val="tx1"/>
+              </a:solidFill>
+            </a:endParaRPr>
+          </a:p>
+        </p:txBody>
+      </p:sp>
     </p:spTree>
     <p:extLst>
       <p:ext uri="{BB962C8B-B14F-4D97-AF65-F5344CB8AC3E}">
-        <p14:creationId xmlns:p14="http://schemas.microsoft.com/office/powerpoint/2010/main" val="1948409947"/>
+        <p14:creationId xmlns:p14="http://schemas.microsoft.com/office/powerpoint/2010/main" val="3424559921"/>
       </p:ext>
     </p:extLst>
   </p:cSld>
@@ -17651,8 +18025,8 @@
         </p:nvSpPr>
         <p:spPr>
           <a:xfrm>
-            <a:off x="784263" y="3321492"/>
-            <a:ext cx="6768752" cy="523220"/>
+            <a:off x="822960" y="3363838"/>
+            <a:ext cx="5515929" cy="1169551"/>
           </a:xfrm>
           <a:prstGeom prst="rect">
             <a:avLst/>
@@ -17671,27 +18045,113 @@
                 </a:solidFill>
                 <a:latin typeface="+mj-lt"/>
               </a:rPr>
-              <a:t>Al pasar de una actividad a otra, las vistas se van apilando.</a:t>
+              <a:t>Igualmente pasa con una tercera actividad:</a:t>
+            </a:r>
+          </a:p>
+          <a:p>
+            <a:endParaRPr lang="es-ES" dirty="0">
+              <a:solidFill>
+                <a:schemeClr val="tx1"/>
+              </a:solidFill>
+              <a:latin typeface="+mj-lt"/>
+            </a:endParaRPr>
+          </a:p>
+          <a:p>
+            <a:r>
+              <a:rPr lang="es-ES" dirty="0" smtClean="0">
+                <a:solidFill>
+                  <a:schemeClr val="tx1"/>
+                </a:solidFill>
+                <a:latin typeface="+mj-lt"/>
+              </a:rPr>
+              <a:t>1. Desde la actividad 1, se llama a la actividad 2:</a:t>
+            </a:r>
+          </a:p>
+          <a:p>
+            <a:r>
+              <a:rPr lang="es-ES" dirty="0" err="1">
+                <a:solidFill>
+                  <a:schemeClr val="tx1"/>
+                </a:solidFill>
+                <a:latin typeface="Consolas" panose="020B0609020204030204" pitchFamily="49" charset="0"/>
+              </a:rPr>
+              <a:t>Intent</a:t>
             </a:r>
             <a:r>
               <a:rPr lang="es-ES" dirty="0">
                 <a:solidFill>
                   <a:schemeClr val="tx1"/>
                 </a:solidFill>
-                <a:latin typeface="+mj-lt"/>
-              </a:rPr>
-              <a:t> </a:t>
+                <a:latin typeface="Consolas" panose="020B0609020204030204" pitchFamily="49" charset="0"/>
+              </a:rPr>
+              <a:t> i = new </a:t>
+            </a:r>
+            <a:r>
+              <a:rPr lang="es-ES" dirty="0" err="1">
+                <a:solidFill>
+                  <a:schemeClr val="tx1"/>
+                </a:solidFill>
+                <a:latin typeface="Consolas" panose="020B0609020204030204" pitchFamily="49" charset="0"/>
+              </a:rPr>
+              <a:t>Intent</a:t>
+            </a:r>
+            <a:r>
+              <a:rPr lang="es-ES" dirty="0">
+                <a:solidFill>
+                  <a:schemeClr val="tx1"/>
+                </a:solidFill>
+                <a:latin typeface="Consolas" panose="020B0609020204030204" pitchFamily="49" charset="0"/>
+              </a:rPr>
+              <a:t>(</a:t>
+            </a:r>
+            <a:r>
+              <a:rPr lang="es-ES" dirty="0" err="1">
+                <a:solidFill>
+                  <a:schemeClr val="tx1"/>
+                </a:solidFill>
+                <a:latin typeface="Consolas" panose="020B0609020204030204" pitchFamily="49" charset="0"/>
+              </a:rPr>
+              <a:t>this</a:t>
+            </a:r>
+            <a:r>
+              <a:rPr lang="es-ES" dirty="0">
+                <a:solidFill>
+                  <a:schemeClr val="tx1"/>
+                </a:solidFill>
+                <a:latin typeface="Consolas" panose="020B0609020204030204" pitchFamily="49" charset="0"/>
+              </a:rPr>
+              <a:t>, Activity2.class);</a:t>
+            </a:r>
+          </a:p>
+          <a:p>
+            <a:r>
+              <a:rPr lang="es-ES" dirty="0" err="1">
+                <a:solidFill>
+                  <a:schemeClr val="tx1"/>
+                </a:solidFill>
+                <a:latin typeface="Consolas" panose="020B0609020204030204" pitchFamily="49" charset="0"/>
+              </a:rPr>
+              <a:t>startActivity</a:t>
+            </a:r>
+            <a:r>
+              <a:rPr lang="es-ES" dirty="0">
+                <a:solidFill>
+                  <a:schemeClr val="tx1"/>
+                </a:solidFill>
+                <a:latin typeface="Consolas" panose="020B0609020204030204" pitchFamily="49" charset="0"/>
+              </a:rPr>
+              <a:t>(i</a:t>
             </a:r>
             <a:r>
               <a:rPr lang="es-ES" dirty="0" smtClean="0">
                 <a:solidFill>
                   <a:schemeClr val="tx1"/>
                 </a:solidFill>
-                <a:latin typeface="+mj-lt"/>
-              </a:rPr>
-              <a:t>La que está más próxima al usuario es, por supuesto, la que se muestra en pantalla</a:t>
-            </a:r>
-            <a:endParaRPr lang="es-ES" dirty="0">
+                <a:latin typeface="Consolas" panose="020B0609020204030204" pitchFamily="49" charset="0"/>
+              </a:rPr>
+              <a:t>);</a:t>
+            </a:r>
+            <a:endParaRPr lang="es-ES" dirty="0" smtClean="0">
               <a:solidFill>
                 <a:schemeClr val="tx1"/>
               </a:solidFill>
@@ -17708,7 +18168,7 @@
         </p:nvSpPr>
         <p:spPr>
           <a:xfrm>
-            <a:off x="899592" y="1635646"/>
+            <a:off x="2092195" y="1635646"/>
             <a:ext cx="1399685" cy="1076554"/>
           </a:xfrm>
           <a:prstGeom prst="rect">
@@ -17752,94 +18212,6 @@
           </a:p>
         </p:txBody>
       </p:sp>
-      <p:sp>
-        <p:nvSpPr>
-          <p:cNvPr id="9" name="Rectangle 15"/>
-          <p:cNvSpPr/>
-          <p:nvPr/>
-        </p:nvSpPr>
-        <p:spPr>
-          <a:xfrm>
-            <a:off x="3203848" y="1639212"/>
-            <a:ext cx="1399685" cy="1076554"/>
-          </a:xfrm>
-          <a:prstGeom prst="rect">
-            <a:avLst/>
-          </a:prstGeom>
-        </p:spPr>
-        <p:style>
-          <a:lnRef idx="2">
-            <a:schemeClr val="accent1">
-              <a:shade val="50000"/>
-            </a:schemeClr>
-          </a:lnRef>
-          <a:fillRef idx="1">
-            <a:schemeClr val="accent1"/>
-          </a:fillRef>
-          <a:effectRef idx="0">
-            <a:schemeClr val="accent1"/>
-          </a:effectRef>
-          <a:fontRef idx="minor">
-            <a:schemeClr val="lt1"/>
-          </a:fontRef>
-        </p:style>
-        <p:txBody>
-          <a:bodyPr rtlCol="0" anchor="ctr"/>
-          <a:lstStyle/>
-          <a:p>
-            <a:pPr algn="ctr"/>
-            <a:r>
-              <a:rPr lang="es-ES" dirty="0" smtClean="0">
-                <a:solidFill>
-                  <a:schemeClr val="bg1"/>
-                </a:solidFill>
-              </a:rPr>
-              <a:t>Activity2</a:t>
-            </a:r>
-            <a:endParaRPr lang="en-US" dirty="0">
-              <a:solidFill>
-                <a:schemeClr val="bg1"/>
-              </a:solidFill>
-            </a:endParaRPr>
-          </a:p>
-        </p:txBody>
-      </p:sp>
-      <p:cxnSp>
-        <p:nvCxnSpPr>
-          <p:cNvPr id="10" name="Straight Arrow Connector 12"/>
-          <p:cNvCxnSpPr/>
-          <p:nvPr/>
-        </p:nvCxnSpPr>
-        <p:spPr>
-          <a:xfrm>
-            <a:off x="2299277" y="2173923"/>
-            <a:ext cx="904571" cy="3566"/>
-          </a:xfrm>
-          <a:prstGeom prst="straightConnector1">
-            <a:avLst/>
-          </a:prstGeom>
-          <a:ln>
-            <a:solidFill>
-              <a:schemeClr val="tx1"/>
-            </a:solidFill>
-            <a:tailEnd type="triangle"/>
-          </a:ln>
-        </p:spPr>
-        <p:style>
-          <a:lnRef idx="1">
-            <a:schemeClr val="accent1"/>
-          </a:lnRef>
-          <a:fillRef idx="0">
-            <a:schemeClr val="accent1"/>
-          </a:fillRef>
-          <a:effectRef idx="0">
-            <a:schemeClr val="accent1"/>
-          </a:effectRef>
-          <a:fontRef idx="minor">
-            <a:schemeClr val="tx1"/>
-          </a:fontRef>
-        </p:style>
-      </p:cxnSp>
       <p:pic>
         <p:nvPicPr>
           <p:cNvPr id="11" name="Picture 6" descr="Resultado de imagen de icesi logo blanco&quot;"/>
@@ -17883,13 +18255,13 @@
       </p:pic>
       <p:sp>
         <p:nvSpPr>
-          <p:cNvPr id="12" name="Rectangle 13"/>
+          <p:cNvPr id="13" name="Rectangle 15"/>
           <p:cNvSpPr/>
           <p:nvPr/>
         </p:nvSpPr>
         <p:spPr>
           <a:xfrm>
-            <a:off x="7186611" y="1434471"/>
+            <a:off x="7308304" y="1625256"/>
             <a:ext cx="841774" cy="1076554"/>
           </a:xfrm>
           <a:prstGeom prst="rect">
@@ -17917,69 +18289,13 @@
           <a:lstStyle/>
           <a:p>
             <a:r>
-              <a:rPr lang="en-US" dirty="0" smtClean="0">
+              <a:rPr lang="en-US" dirty="0">
                 <a:solidFill>
                   <a:schemeClr val="bg1"/>
                 </a:solidFill>
               </a:rPr>
               <a:t>1</a:t>
             </a:r>
-            <a:endParaRPr lang="en-US" dirty="0">
-              <a:solidFill>
-                <a:schemeClr val="bg1"/>
-              </a:solidFill>
-            </a:endParaRPr>
-          </a:p>
-        </p:txBody>
-      </p:sp>
-      <p:sp>
-        <p:nvSpPr>
-          <p:cNvPr id="13" name="Rectangle 15"/>
-          <p:cNvSpPr/>
-          <p:nvPr/>
-        </p:nvSpPr>
-        <p:spPr>
-          <a:xfrm>
-            <a:off x="7474642" y="1625256"/>
-            <a:ext cx="841774" cy="1076554"/>
-          </a:xfrm>
-          <a:prstGeom prst="rect">
-            <a:avLst/>
-          </a:prstGeom>
-        </p:spPr>
-        <p:style>
-          <a:lnRef idx="2">
-            <a:schemeClr val="accent1">
-              <a:shade val="50000"/>
-            </a:schemeClr>
-          </a:lnRef>
-          <a:fillRef idx="1">
-            <a:schemeClr val="accent1"/>
-          </a:fillRef>
-          <a:effectRef idx="0">
-            <a:schemeClr val="accent1"/>
-          </a:effectRef>
-          <a:fontRef idx="minor">
-            <a:schemeClr val="lt1"/>
-          </a:fontRef>
-        </p:style>
-        <p:txBody>
-          <a:bodyPr rtlCol="0" anchor="t"/>
-          <a:lstStyle/>
-          <a:p>
-            <a:r>
-              <a:rPr lang="en-US" dirty="0" smtClean="0">
-                <a:solidFill>
-                  <a:schemeClr val="bg1"/>
-                </a:solidFill>
-              </a:rPr>
-              <a:t>2</a:t>
-            </a:r>
-            <a:endParaRPr lang="en-US" dirty="0">
-              <a:solidFill>
-                <a:schemeClr val="bg1"/>
-              </a:solidFill>
-            </a:endParaRPr>
           </a:p>
         </p:txBody>
       </p:sp>
@@ -18033,7 +18349,7 @@
     </p:spTree>
     <p:extLst>
       <p:ext uri="{BB962C8B-B14F-4D97-AF65-F5344CB8AC3E}">
-        <p14:creationId xmlns:p14="http://schemas.microsoft.com/office/powerpoint/2010/main" val="4269533945"/>
+        <p14:creationId xmlns:p14="http://schemas.microsoft.com/office/powerpoint/2010/main" val="4122426527"/>
       </p:ext>
     </p:extLst>
   </p:cSld>
@@ -18098,8 +18414,8 @@
         </p:nvSpPr>
         <p:spPr>
           <a:xfrm>
-            <a:off x="784263" y="3321492"/>
-            <a:ext cx="4579825" cy="523220"/>
+            <a:off x="822960" y="3363838"/>
+            <a:ext cx="5515929" cy="738664"/>
           </a:xfrm>
           <a:prstGeom prst="rect">
             <a:avLst/>
@@ -18118,35 +18434,117 @@
                 </a:solidFill>
                 <a:latin typeface="+mj-lt"/>
               </a:rPr>
-              <a:t>Si se cierra la actividad 2, usando el método </a:t>
-            </a:r>
-            <a:r>
-              <a:rPr lang="es-ES" b="1" dirty="0" err="1" smtClean="0">
-                <a:solidFill>
-                  <a:schemeClr val="tx1"/>
-                </a:solidFill>
-                <a:latin typeface="+mj-lt"/>
-              </a:rPr>
-              <a:t>finish</a:t>
-            </a:r>
-            <a:r>
-              <a:rPr lang="es-ES" b="1" dirty="0" smtClean="0">
-                <a:solidFill>
-                  <a:schemeClr val="tx1"/>
-                </a:solidFill>
-                <a:latin typeface="+mj-lt"/>
-              </a:rPr>
-              <a:t>(), </a:t>
+              <a:t>2. Ya en la actividad2, podemos invocar una tercera actividad</a:t>
+            </a:r>
+          </a:p>
+          <a:p>
+            <a:r>
+              <a:rPr lang="es-ES" dirty="0" err="1">
+                <a:solidFill>
+                  <a:schemeClr val="tx1"/>
+                </a:solidFill>
+                <a:latin typeface="Consolas" panose="020B0609020204030204" pitchFamily="49" charset="0"/>
+              </a:rPr>
+              <a:t>Intent</a:t>
+            </a:r>
+            <a:r>
+              <a:rPr lang="es-ES" dirty="0">
+                <a:solidFill>
+                  <a:schemeClr val="tx1"/>
+                </a:solidFill>
+                <a:latin typeface="Consolas" panose="020B0609020204030204" pitchFamily="49" charset="0"/>
+              </a:rPr>
+              <a:t> i = new </a:t>
+            </a:r>
+            <a:r>
+              <a:rPr lang="es-ES" dirty="0" err="1">
+                <a:solidFill>
+                  <a:schemeClr val="tx1"/>
+                </a:solidFill>
+                <a:latin typeface="Consolas" panose="020B0609020204030204" pitchFamily="49" charset="0"/>
+              </a:rPr>
+              <a:t>Intent</a:t>
+            </a:r>
+            <a:r>
+              <a:rPr lang="es-ES" dirty="0">
+                <a:solidFill>
+                  <a:schemeClr val="tx1"/>
+                </a:solidFill>
+                <a:latin typeface="Consolas" panose="020B0609020204030204" pitchFamily="49" charset="0"/>
+              </a:rPr>
+              <a:t>(</a:t>
+            </a:r>
+            <a:r>
+              <a:rPr lang="es-ES" dirty="0" err="1">
+                <a:solidFill>
+                  <a:schemeClr val="tx1"/>
+                </a:solidFill>
+                <a:latin typeface="Consolas" panose="020B0609020204030204" pitchFamily="49" charset="0"/>
+              </a:rPr>
+              <a:t>this</a:t>
+            </a:r>
+            <a:r>
+              <a:rPr lang="es-ES" dirty="0">
+                <a:solidFill>
+                  <a:schemeClr val="tx1"/>
+                </a:solidFill>
+                <a:latin typeface="Consolas" panose="020B0609020204030204" pitchFamily="49" charset="0"/>
+              </a:rPr>
+              <a:t>, </a:t>
             </a:r>
             <a:r>
               <a:rPr lang="es-ES" dirty="0" smtClean="0">
                 <a:solidFill>
                   <a:schemeClr val="tx1"/>
                 </a:solidFill>
-                <a:latin typeface="+mj-lt"/>
-              </a:rPr>
-              <a:t>la actividad que queda es la que se muestra</a:t>
-            </a:r>
+                <a:latin typeface="Consolas" panose="020B0609020204030204" pitchFamily="49" charset="0"/>
+              </a:rPr>
+              <a:t>Activity3.class</a:t>
+            </a:r>
+            <a:r>
+              <a:rPr lang="es-ES" dirty="0">
+                <a:solidFill>
+                  <a:schemeClr val="tx1"/>
+                </a:solidFill>
+                <a:latin typeface="Consolas" panose="020B0609020204030204" pitchFamily="49" charset="0"/>
+              </a:rPr>
+              <a:t>);</a:t>
+            </a:r>
+          </a:p>
+          <a:p>
+            <a:r>
+              <a:rPr lang="es-ES" dirty="0" err="1">
+                <a:solidFill>
+                  <a:schemeClr val="tx1"/>
+                </a:solidFill>
+                <a:latin typeface="Consolas" panose="020B0609020204030204" pitchFamily="49" charset="0"/>
+              </a:rPr>
+              <a:t>startActivity</a:t>
+            </a:r>
+            <a:r>
+              <a:rPr lang="es-ES" dirty="0">
+                <a:solidFill>
+                  <a:schemeClr val="tx1"/>
+                </a:solidFill>
+                <a:latin typeface="Consolas" panose="020B0609020204030204" pitchFamily="49" charset="0"/>
+              </a:rPr>
+              <a:t>(i</a:t>
+            </a:r>
+            <a:r>
+              <a:rPr lang="es-ES" dirty="0" smtClean="0">
+                <a:solidFill>
+                  <a:schemeClr val="tx1"/>
+                </a:solidFill>
+                <a:latin typeface="Consolas" panose="020B0609020204030204" pitchFamily="49" charset="0"/>
+              </a:rPr>
+              <a:t>);</a:t>
+            </a:r>
+            <a:endParaRPr lang="es-ES" dirty="0" smtClean="0">
+              <a:solidFill>
+                <a:schemeClr val="tx1"/>
+              </a:solidFill>
+              <a:latin typeface="+mj-lt"/>
+            </a:endParaRPr>
           </a:p>
         </p:txBody>
       </p:sp>
@@ -18158,7 +18556,7 @@
         </p:nvSpPr>
         <p:spPr>
           <a:xfrm>
-            <a:off x="899592" y="1635646"/>
+            <a:off x="611560" y="1635646"/>
             <a:ext cx="1399685" cy="1076554"/>
           </a:xfrm>
           <a:prstGeom prst="rect">
@@ -18193,58 +18591,6 @@
                 </a:solidFill>
               </a:rPr>
               <a:t>Activity1</a:t>
-            </a:r>
-            <a:endParaRPr lang="en-US" dirty="0">
-              <a:solidFill>
-                <a:schemeClr val="bg1"/>
-              </a:solidFill>
-            </a:endParaRPr>
-          </a:p>
-        </p:txBody>
-      </p:sp>
-      <p:sp>
-        <p:nvSpPr>
-          <p:cNvPr id="9" name="Rectangle 15"/>
-          <p:cNvSpPr/>
-          <p:nvPr/>
-        </p:nvSpPr>
-        <p:spPr>
-          <a:xfrm>
-            <a:off x="3203848" y="1639212"/>
-            <a:ext cx="1399685" cy="1076554"/>
-          </a:xfrm>
-          <a:prstGeom prst="rect">
-            <a:avLst/>
-          </a:prstGeom>
-        </p:spPr>
-        <p:style>
-          <a:lnRef idx="2">
-            <a:schemeClr val="accent1">
-              <a:shade val="50000"/>
-            </a:schemeClr>
-          </a:lnRef>
-          <a:fillRef idx="1">
-            <a:schemeClr val="accent1"/>
-          </a:fillRef>
-          <a:effectRef idx="0">
-            <a:schemeClr val="accent1"/>
-          </a:effectRef>
-          <a:fontRef idx="minor">
-            <a:schemeClr val="lt1"/>
-          </a:fontRef>
-        </p:style>
-        <p:txBody>
-          <a:bodyPr rtlCol="0" anchor="ctr"/>
-          <a:lstStyle/>
-          <a:p>
-            <a:pPr algn="ctr"/>
-            <a:r>
-              <a:rPr lang="es-ES" dirty="0" smtClean="0">
-                <a:solidFill>
-                  <a:schemeClr val="bg1"/>
-                </a:solidFill>
-              </a:rPr>
-              <a:t>Activity2</a:t>
             </a:r>
             <a:endParaRPr lang="en-US" dirty="0">
               <a:solidFill>
@@ -18297,13 +18643,13 @@
       </p:pic>
       <p:sp>
         <p:nvSpPr>
-          <p:cNvPr id="12" name="Rectangle 13"/>
+          <p:cNvPr id="13" name="Rectangle 15"/>
           <p:cNvSpPr/>
           <p:nvPr/>
         </p:nvSpPr>
         <p:spPr>
           <a:xfrm>
-            <a:off x="7186611" y="1434471"/>
+            <a:off x="7092280" y="1584110"/>
             <a:ext cx="841774" cy="1076554"/>
           </a:xfrm>
           <a:prstGeom prst="rect">
@@ -18331,31 +18677,73 @@
           <a:lstStyle/>
           <a:p>
             <a:r>
-              <a:rPr lang="en-US" dirty="0" smtClean="0">
+              <a:rPr lang="en-US" dirty="0">
                 <a:solidFill>
                   <a:schemeClr val="bg1"/>
                 </a:solidFill>
               </a:rPr>
               <a:t>1</a:t>
             </a:r>
-            <a:endParaRPr lang="en-US" dirty="0">
-              <a:solidFill>
-                <a:schemeClr val="bg1"/>
-              </a:solidFill>
-            </a:endParaRPr>
-          </a:p>
-        </p:txBody>
-      </p:sp>
-      <p:sp>
-        <p:nvSpPr>
-          <p:cNvPr id="13" name="Rectangle 15"/>
+          </a:p>
+        </p:txBody>
+      </p:sp>
+      <p:sp>
+        <p:nvSpPr>
+          <p:cNvPr id="3" name="CuadroTexto 2"/>
+          <p:cNvSpPr txBox="1"/>
+          <p:nvPr/>
+        </p:nvSpPr>
+        <p:spPr>
+          <a:xfrm>
+            <a:off x="6732240" y="3272085"/>
+            <a:ext cx="2016224" cy="307777"/>
+          </a:xfrm>
+          <a:prstGeom prst="rect">
+            <a:avLst/>
+          </a:prstGeom>
+          <a:noFill/>
+        </p:spPr>
+        <p:txBody>
+          <a:bodyPr wrap="square" rtlCol="0">
+            <a:spAutoFit/>
+          </a:bodyPr>
+          <a:lstStyle/>
+          <a:p>
+            <a:pPr algn="ctr"/>
+            <a:r>
+              <a:rPr lang="es-ES" dirty="0" smtClean="0">
+                <a:solidFill>
+                  <a:schemeClr val="tx1"/>
+                </a:solidFill>
+              </a:rPr>
+              <a:t>Pila de </a:t>
+            </a:r>
+            <a:r>
+              <a:rPr lang="es-ES" dirty="0" err="1" smtClean="0">
+                <a:solidFill>
+                  <a:schemeClr val="tx1"/>
+                </a:solidFill>
+              </a:rPr>
+              <a:t>activities</a:t>
+            </a:r>
+            <a:endParaRPr lang="es-CO" dirty="0">
+              <a:solidFill>
+                <a:schemeClr val="tx1"/>
+              </a:solidFill>
+            </a:endParaRPr>
+          </a:p>
+        </p:txBody>
+      </p:sp>
+      <p:sp>
+        <p:nvSpPr>
+          <p:cNvPr id="9" name="Rectangle 13"/>
           <p:cNvSpPr/>
           <p:nvPr/>
         </p:nvSpPr>
         <p:spPr>
           <a:xfrm>
-            <a:off x="7474642" y="1625256"/>
-            <a:ext cx="841774" cy="1076554"/>
+            <a:off x="2339752" y="1635646"/>
+            <a:ext cx="1399685" cy="1076554"/>
           </a:xfrm>
           <a:prstGeom prst="rect">
             <a:avLst/>
@@ -18378,16 +18766,17 @@
           </a:fontRef>
         </p:style>
         <p:txBody>
-          <a:bodyPr rtlCol="0" anchor="t"/>
-          <a:lstStyle/>
-          <a:p>
-            <a:r>
-              <a:rPr lang="en-US" dirty="0" smtClean="0">
+          <a:bodyPr rtlCol="0" anchor="ctr"/>
+          <a:lstStyle/>
+          <a:p>
+            <a:pPr algn="ctr"/>
+            <a:r>
+              <a:rPr lang="es-ES" dirty="0" smtClean="0">
                 <a:solidFill>
                   <a:schemeClr val="bg1"/>
                 </a:solidFill>
               </a:rPr>
-              <a:t>2</a:t>
+              <a:t>Activity2</a:t>
             </a:r>
             <a:endParaRPr lang="en-US" dirty="0">
               <a:solidFill>
@@ -18397,77 +18786,56 @@
           </a:p>
         </p:txBody>
       </p:sp>
-      <p:sp>
-        <p:nvSpPr>
-          <p:cNvPr id="3" name="CuadroTexto 2"/>
-          <p:cNvSpPr txBox="1"/>
-          <p:nvPr/>
-        </p:nvSpPr>
-        <p:spPr>
-          <a:xfrm>
-            <a:off x="6732240" y="2791497"/>
-            <a:ext cx="2016224" cy="307777"/>
+      <p:cxnSp>
+        <p:nvCxnSpPr>
+          <p:cNvPr id="5" name="Conector recto de flecha 4"/>
+          <p:cNvCxnSpPr>
+            <a:stCxn id="8" idx="3"/>
+            <a:endCxn id="9" idx="1"/>
+          </p:cNvCxnSpPr>
+          <p:nvPr/>
+        </p:nvCxnSpPr>
+        <p:spPr>
+          <a:xfrm>
+            <a:off x="2011245" y="2173923"/>
+            <a:ext cx="328507" cy="0"/>
+          </a:xfrm>
+          <a:prstGeom prst="straightConnector1">
+            <a:avLst/>
+          </a:prstGeom>
+          <a:ln>
+            <a:tailEnd type="triangle"/>
+          </a:ln>
+        </p:spPr>
+        <p:style>
+          <a:lnRef idx="1">
+            <a:schemeClr val="accent1"/>
+          </a:lnRef>
+          <a:fillRef idx="0">
+            <a:schemeClr val="accent1"/>
+          </a:fillRef>
+          <a:effectRef idx="0">
+            <a:schemeClr val="accent1"/>
+          </a:effectRef>
+          <a:fontRef idx="minor">
+            <a:schemeClr val="tx1"/>
+          </a:fontRef>
+        </p:style>
+      </p:cxnSp>
+      <p:sp>
+        <p:nvSpPr>
+          <p:cNvPr id="12" name="Rectangle 15"/>
+          <p:cNvSpPr/>
+          <p:nvPr/>
+        </p:nvSpPr>
+        <p:spPr>
+          <a:xfrm>
+            <a:off x="7308962" y="1827685"/>
+            <a:ext cx="841774" cy="1076554"/>
           </a:xfrm>
           <a:prstGeom prst="rect">
             <a:avLst/>
           </a:prstGeom>
-          <a:noFill/>
-        </p:spPr>
-        <p:txBody>
-          <a:bodyPr wrap="square" rtlCol="0">
-            <a:spAutoFit/>
-          </a:bodyPr>
-          <a:lstStyle/>
-          <a:p>
-            <a:pPr algn="ctr"/>
-            <a:r>
-              <a:rPr lang="es-ES" dirty="0" smtClean="0">
-                <a:solidFill>
-                  <a:schemeClr val="tx1"/>
-                </a:solidFill>
-              </a:rPr>
-              <a:t>Pila de </a:t>
-            </a:r>
-            <a:r>
-              <a:rPr lang="es-ES" dirty="0" err="1" smtClean="0">
-                <a:solidFill>
-                  <a:schemeClr val="tx1"/>
-                </a:solidFill>
-              </a:rPr>
-              <a:t>activities</a:t>
-            </a:r>
-            <a:endParaRPr lang="es-CO" dirty="0">
-              <a:solidFill>
-                <a:schemeClr val="tx1"/>
-              </a:solidFill>
-            </a:endParaRPr>
-          </a:p>
-        </p:txBody>
-      </p:sp>
-      <p:sp>
-        <p:nvSpPr>
-          <p:cNvPr id="4" name="Multiplicar 3"/>
-          <p:cNvSpPr/>
-          <p:nvPr/>
-        </p:nvSpPr>
-        <p:spPr>
-          <a:xfrm>
-            <a:off x="2777447" y="1037290"/>
-            <a:ext cx="2252486" cy="2252486"/>
-          </a:xfrm>
-          <a:prstGeom prst="mathMultiply">
-            <a:avLst>
-              <a:gd name="adj1" fmla="val 2881"/>
-            </a:avLst>
-          </a:prstGeom>
-          <a:solidFill>
-            <a:srgbClr val="FF0000"/>
-          </a:solidFill>
-          <a:ln>
-            <a:solidFill>
-              <a:srgbClr val="FF0000"/>
-            </a:solidFill>
-          </a:ln>
         </p:spPr>
         <p:style>
           <a:lnRef idx="2">
@@ -18486,38 +18854,72 @@
           </a:fontRef>
         </p:style>
         <p:txBody>
-          <a:bodyPr rtlCol="0" anchor="ctr"/>
-          <a:lstStyle/>
-          <a:p>
-            <a:pPr algn="ctr"/>
-            <a:endParaRPr lang="es-CO"/>
-          </a:p>
-        </p:txBody>
-      </p:sp>
-      <p:sp>
-        <p:nvSpPr>
-          <p:cNvPr id="14" name="Multiplicar 13"/>
+          <a:bodyPr rtlCol="0" anchor="t"/>
+          <a:lstStyle/>
+          <a:p>
+            <a:r>
+              <a:rPr lang="en-US" dirty="0" smtClean="0">
+                <a:solidFill>
+                  <a:schemeClr val="bg1"/>
+                </a:solidFill>
+              </a:rPr>
+              <a:t>2</a:t>
+            </a:r>
+            <a:endParaRPr lang="en-US" dirty="0">
+              <a:solidFill>
+                <a:schemeClr val="bg1"/>
+              </a:solidFill>
+            </a:endParaRPr>
+          </a:p>
+        </p:txBody>
+      </p:sp>
+      <p:cxnSp>
+        <p:nvCxnSpPr>
+          <p:cNvPr id="14" name="Conector recto de flecha 13"/>
+          <p:cNvCxnSpPr/>
+          <p:nvPr/>
+        </p:nvCxnSpPr>
+        <p:spPr>
+          <a:xfrm>
+            <a:off x="3739437" y="2173923"/>
+            <a:ext cx="328507" cy="0"/>
+          </a:xfrm>
+          <a:prstGeom prst="straightConnector1">
+            <a:avLst/>
+          </a:prstGeom>
+          <a:ln>
+            <a:tailEnd type="triangle"/>
+          </a:ln>
+        </p:spPr>
+        <p:style>
+          <a:lnRef idx="1">
+            <a:schemeClr val="accent1"/>
+          </a:lnRef>
+          <a:fillRef idx="0">
+            <a:schemeClr val="accent1"/>
+          </a:fillRef>
+          <a:effectRef idx="0">
+            <a:schemeClr val="accent1"/>
+          </a:effectRef>
+          <a:fontRef idx="minor">
+            <a:schemeClr val="tx1"/>
+          </a:fontRef>
+        </p:style>
+      </p:cxnSp>
+      <p:sp>
+        <p:nvSpPr>
+          <p:cNvPr id="15" name="Rectangle 13"/>
           <p:cNvSpPr/>
           <p:nvPr/>
         </p:nvSpPr>
         <p:spPr>
           <a:xfrm>
-            <a:off x="6769286" y="1037290"/>
-            <a:ext cx="2252486" cy="2252486"/>
-          </a:xfrm>
-          <a:prstGeom prst="mathMultiply">
-            <a:avLst>
-              <a:gd name="adj1" fmla="val 2881"/>
-            </a:avLst>
-          </a:prstGeom>
-          <a:solidFill>
-            <a:srgbClr val="FF0000"/>
-          </a:solidFill>
-          <a:ln>
-            <a:solidFill>
-              <a:srgbClr val="FF0000"/>
-            </a:solidFill>
-          </a:ln>
+            <a:off x="4067944" y="1635646"/>
+            <a:ext cx="1399685" cy="1076554"/>
+          </a:xfrm>
+          <a:prstGeom prst="rect">
+            <a:avLst/>
+          </a:prstGeom>
         </p:spPr>
         <p:style>
           <a:lnRef idx="2">
@@ -18540,14 +18942,72 @@
           <a:lstStyle/>
           <a:p>
             <a:pPr algn="ctr"/>
-            <a:endParaRPr lang="es-CO"/>
+            <a:r>
+              <a:rPr lang="es-ES" dirty="0" smtClean="0">
+                <a:solidFill>
+                  <a:schemeClr val="bg1"/>
+                </a:solidFill>
+              </a:rPr>
+              <a:t>Activity3</a:t>
+            </a:r>
+            <a:endParaRPr lang="en-US" dirty="0">
+              <a:solidFill>
+                <a:schemeClr val="bg1"/>
+              </a:solidFill>
+            </a:endParaRPr>
+          </a:p>
+        </p:txBody>
+      </p:sp>
+      <p:sp>
+        <p:nvSpPr>
+          <p:cNvPr id="16" name="Rectangle 15"/>
+          <p:cNvSpPr/>
+          <p:nvPr/>
+        </p:nvSpPr>
+        <p:spPr>
+          <a:xfrm>
+            <a:off x="7563185" y="2071260"/>
+            <a:ext cx="841774" cy="1076554"/>
+          </a:xfrm>
+          <a:prstGeom prst="rect">
+            <a:avLst/>
+          </a:prstGeom>
+        </p:spPr>
+        <p:style>
+          <a:lnRef idx="2">
+            <a:schemeClr val="accent1">
+              <a:shade val="50000"/>
+            </a:schemeClr>
+          </a:lnRef>
+          <a:fillRef idx="1">
+            <a:schemeClr val="accent1"/>
+          </a:fillRef>
+          <a:effectRef idx="0">
+            <a:schemeClr val="accent1"/>
+          </a:effectRef>
+          <a:fontRef idx="minor">
+            <a:schemeClr val="lt1"/>
+          </a:fontRef>
+        </p:style>
+        <p:txBody>
+          <a:bodyPr rtlCol="0" anchor="t"/>
+          <a:lstStyle/>
+          <a:p>
+            <a:r>
+              <a:rPr lang="en-US" dirty="0">
+                <a:solidFill>
+                  <a:schemeClr val="bg1"/>
+                </a:solidFill>
+              </a:rPr>
+              <a:t>3</a:t>
+            </a:r>
           </a:p>
         </p:txBody>
       </p:sp>
     </p:spTree>
     <p:extLst>
       <p:ext uri="{BB962C8B-B14F-4D97-AF65-F5344CB8AC3E}">
-        <p14:creationId xmlns:p14="http://schemas.microsoft.com/office/powerpoint/2010/main" val="2387158223"/>
+        <p14:creationId xmlns:p14="http://schemas.microsoft.com/office/powerpoint/2010/main" val="722456114"/>
       </p:ext>
     </p:extLst>
   </p:cSld>
@@ -18569,7 +19029,7 @@
   <p:cSld>
     <p:spTree>
       <p:nvGrpSpPr>
-        <p:cNvPr id="1" name=""/>
+        <p:cNvPr id="1" name="Shape 53"/>
         <p:cNvGrpSpPr/>
         <p:nvPr/>
       </p:nvGrpSpPr>
@@ -18583,149 +19043,90 @@
       </p:grpSpPr>
       <p:sp>
         <p:nvSpPr>
-          <p:cNvPr id="2" name="Title 1"/>
-          <p:cNvSpPr>
+          <p:cNvPr id="54" name="Shape 54"/>
+          <p:cNvSpPr txBox="1">
             <a:spLocks noGrp="1"/>
           </p:cNvSpPr>
           <p:nvPr>
-            <p:ph type="title"/>
+            <p:ph type="ctrTitle"/>
           </p:nvPr>
         </p:nvSpPr>
-        <p:spPr/>
-        <p:txBody>
-          <a:bodyPr/>
-          <a:lstStyle/>
-          <a:p>
-            <a:r>
-              <a:rPr lang="es-ES" dirty="0" err="1" smtClean="0"/>
-              <a:t>Intent</a:t>
-            </a:r>
-            <a:endParaRPr lang="en-US" dirty="0"/>
-          </a:p>
-        </p:txBody>
-      </p:sp>
-      <p:sp>
-        <p:nvSpPr>
-          <p:cNvPr id="18" name="Rectangle 17"/>
-          <p:cNvSpPr/>
-          <p:nvPr/>
-        </p:nvSpPr>
-        <p:spPr>
-          <a:xfrm>
-            <a:off x="784263" y="3321492"/>
-            <a:ext cx="4579825" cy="523220"/>
-          </a:xfrm>
+        <p:spPr>
           <a:prstGeom prst="rect">
             <a:avLst/>
           </a:prstGeom>
         </p:spPr>
         <p:txBody>
-          <a:bodyPr wrap="square">
-            <a:spAutoFit/>
+          <a:bodyPr spcFirstLastPara="1" wrap="square" lIns="91425" tIns="91425" rIns="91425" bIns="91425" anchor="b" anchorCtr="0">
+            <a:noAutofit/>
           </a:bodyPr>
           <a:lstStyle/>
           <a:p>
-            <a:r>
-              <a:rPr lang="es-ES" dirty="0" smtClean="0">
-                <a:solidFill>
-                  <a:schemeClr val="tx1"/>
-                </a:solidFill>
-                <a:latin typeface="+mj-lt"/>
-              </a:rPr>
-              <a:t>Si se cierra la actividad 2, usando el método </a:t>
-            </a:r>
-            <a:r>
-              <a:rPr lang="es-ES" b="1" dirty="0" err="1" smtClean="0">
-                <a:solidFill>
-                  <a:schemeClr val="tx1"/>
-                </a:solidFill>
-                <a:latin typeface="+mj-lt"/>
-              </a:rPr>
-              <a:t>finish</a:t>
-            </a:r>
-            <a:r>
-              <a:rPr lang="es-ES" b="1" dirty="0" smtClean="0">
-                <a:solidFill>
-                  <a:schemeClr val="tx1"/>
-                </a:solidFill>
-                <a:latin typeface="+mj-lt"/>
-              </a:rPr>
-              <a:t>(), </a:t>
-            </a:r>
-            <a:r>
-              <a:rPr lang="es-ES" dirty="0" smtClean="0">
-                <a:solidFill>
-                  <a:schemeClr val="tx1"/>
-                </a:solidFill>
-                <a:latin typeface="+mj-lt"/>
-              </a:rPr>
-              <a:t>la actividad que queda es la que se muestra</a:t>
-            </a:r>
-          </a:p>
-        </p:txBody>
-      </p:sp>
-      <p:sp>
-        <p:nvSpPr>
-          <p:cNvPr id="8" name="Rectangle 13"/>
-          <p:cNvSpPr/>
-          <p:nvPr/>
-        </p:nvSpPr>
-        <p:spPr>
-          <a:xfrm>
-            <a:off x="2092195" y="1635646"/>
-            <a:ext cx="1399685" cy="1076554"/>
-          </a:xfrm>
+            <a:pPr marL="0" lvl="0" indent="0">
+              <a:spcBef>
+                <a:spcPts val="0"/>
+              </a:spcBef>
+              <a:spcAft>
+                <a:spcPts val="0"/>
+              </a:spcAft>
+              <a:buNone/>
+            </a:pPr>
+            <a:r>
+              <a:rPr lang="es" dirty="0" smtClean="0"/>
+              <a:t>Actividad en clase</a:t>
+            </a:r>
+            <a:endParaRPr dirty="0"/>
+          </a:p>
+        </p:txBody>
+      </p:sp>
+      <p:sp>
+        <p:nvSpPr>
+          <p:cNvPr id="55" name="Shape 55"/>
+          <p:cNvSpPr txBox="1">
+            <a:spLocks noGrp="1"/>
+          </p:cNvSpPr>
+          <p:nvPr>
+            <p:ph type="subTitle" idx="1"/>
+          </p:nvPr>
+        </p:nvSpPr>
+        <p:spPr>
           <a:prstGeom prst="rect">
             <a:avLst/>
           </a:prstGeom>
         </p:spPr>
-        <p:style>
-          <a:lnRef idx="2">
-            <a:schemeClr val="accent1">
-              <a:shade val="50000"/>
-            </a:schemeClr>
-          </a:lnRef>
-          <a:fillRef idx="1">
-            <a:schemeClr val="accent1"/>
-          </a:fillRef>
-          <a:effectRef idx="0">
-            <a:schemeClr val="accent1"/>
-          </a:effectRef>
-          <a:fontRef idx="minor">
-            <a:schemeClr val="lt1"/>
-          </a:fontRef>
-        </p:style>
-        <p:txBody>
-          <a:bodyPr rtlCol="0" anchor="ctr"/>
-          <a:lstStyle/>
-          <a:p>
-            <a:pPr algn="ctr"/>
-            <a:r>
-              <a:rPr lang="es-ES" dirty="0" smtClean="0">
-                <a:solidFill>
-                  <a:schemeClr val="bg1"/>
-                </a:solidFill>
-              </a:rPr>
-              <a:t>Activity1</a:t>
-            </a:r>
-            <a:endParaRPr lang="en-US" dirty="0">
-              <a:solidFill>
-                <a:schemeClr val="bg1"/>
-              </a:solidFill>
-            </a:endParaRPr>
+        <p:txBody>
+          <a:bodyPr spcFirstLastPara="1" wrap="square" lIns="91425" tIns="91425" rIns="91425" bIns="91425" anchor="t" anchorCtr="0">
+            <a:noAutofit/>
+          </a:bodyPr>
+          <a:lstStyle/>
+          <a:p>
+            <a:pPr marL="0" lvl="0" indent="0">
+              <a:spcBef>
+                <a:spcPts val="0"/>
+              </a:spcBef>
+              <a:spcAft>
+                <a:spcPts val="0"/>
+              </a:spcAft>
+              <a:buNone/>
+            </a:pPr>
+            <a:r>
+              <a:rPr lang="es" dirty="0" smtClean="0"/>
+              <a:t>Android</a:t>
+            </a:r>
+            <a:endParaRPr dirty="0"/>
           </a:p>
         </p:txBody>
       </p:sp>
       <p:pic>
         <p:nvPicPr>
-          <p:cNvPr id="11" name="Picture 6" descr="Resultado de imagen de icesi logo blanco&quot;"/>
+          <p:cNvPr id="5" name="Picture 6" descr="Resultado de imagen de icesi logo blanco&quot;"/>
           <p:cNvPicPr>
             <a:picLocks noChangeAspect="1" noChangeArrowheads="1"/>
           </p:cNvPicPr>
           <p:nvPr/>
         </p:nvPicPr>
         <p:blipFill>
-          <a:blip r:embed="rId2">
+          <a:blip r:embed="rId3">
             <a:extLst>
               <a:ext uri="{28A0092B-C50C-407E-A947-70E740481C1C}">
                 <a14:useLocalDpi xmlns:a14="http://schemas.microsoft.com/office/drawing/2010/main" val="0"/>
@@ -18757,103 +19158,10 @@
           </a:extLst>
         </p:spPr>
       </p:pic>
-      <p:sp>
-        <p:nvSpPr>
-          <p:cNvPr id="13" name="Rectangle 15"/>
-          <p:cNvSpPr/>
-          <p:nvPr/>
-        </p:nvSpPr>
-        <p:spPr>
-          <a:xfrm>
-            <a:off x="7308304" y="1625256"/>
-            <a:ext cx="841774" cy="1076554"/>
-          </a:xfrm>
-          <a:prstGeom prst="rect">
-            <a:avLst/>
-          </a:prstGeom>
-        </p:spPr>
-        <p:style>
-          <a:lnRef idx="2">
-            <a:schemeClr val="accent1">
-              <a:shade val="50000"/>
-            </a:schemeClr>
-          </a:lnRef>
-          <a:fillRef idx="1">
-            <a:schemeClr val="accent1"/>
-          </a:fillRef>
-          <a:effectRef idx="0">
-            <a:schemeClr val="accent1"/>
-          </a:effectRef>
-          <a:fontRef idx="minor">
-            <a:schemeClr val="lt1"/>
-          </a:fontRef>
-        </p:style>
-        <p:txBody>
-          <a:bodyPr rtlCol="0" anchor="t"/>
-          <a:lstStyle/>
-          <a:p>
-            <a:r>
-              <a:rPr lang="en-US" dirty="0">
-                <a:solidFill>
-                  <a:schemeClr val="bg1"/>
-                </a:solidFill>
-              </a:rPr>
-              <a:t>1</a:t>
-            </a:r>
-          </a:p>
-        </p:txBody>
-      </p:sp>
-      <p:sp>
-        <p:nvSpPr>
-          <p:cNvPr id="3" name="CuadroTexto 2"/>
-          <p:cNvSpPr txBox="1"/>
-          <p:nvPr/>
-        </p:nvSpPr>
-        <p:spPr>
-          <a:xfrm>
-            <a:off x="6732240" y="2791497"/>
-            <a:ext cx="2016224" cy="307777"/>
-          </a:xfrm>
-          <a:prstGeom prst="rect">
-            <a:avLst/>
-          </a:prstGeom>
-          <a:noFill/>
-        </p:spPr>
-        <p:txBody>
-          <a:bodyPr wrap="square" rtlCol="0">
-            <a:spAutoFit/>
-          </a:bodyPr>
-          <a:lstStyle/>
-          <a:p>
-            <a:pPr algn="ctr"/>
-            <a:r>
-              <a:rPr lang="es-ES" dirty="0" smtClean="0">
-                <a:solidFill>
-                  <a:schemeClr val="tx1"/>
-                </a:solidFill>
-              </a:rPr>
-              <a:t>Pila de </a:t>
-            </a:r>
-            <a:r>
-              <a:rPr lang="es-ES" dirty="0" err="1" smtClean="0">
-                <a:solidFill>
-                  <a:schemeClr val="tx1"/>
-                </a:solidFill>
-              </a:rPr>
-              <a:t>activities</a:t>
-            </a:r>
-            <a:endParaRPr lang="es-CO" dirty="0">
-              <a:solidFill>
-                <a:schemeClr val="tx1"/>
-              </a:solidFill>
-            </a:endParaRPr>
-          </a:p>
-        </p:txBody>
-      </p:sp>
     </p:spTree>
     <p:extLst>
       <p:ext uri="{BB962C8B-B14F-4D97-AF65-F5344CB8AC3E}">
-        <p14:creationId xmlns:p14="http://schemas.microsoft.com/office/powerpoint/2010/main" val="1517040442"/>
+        <p14:creationId xmlns:p14="http://schemas.microsoft.com/office/powerpoint/2010/main" val="4205271875"/>
       </p:ext>
     </p:extLst>
   </p:cSld>
@@ -18889,7 +19197,7 @@
       </p:grpSpPr>
       <p:sp>
         <p:nvSpPr>
-          <p:cNvPr id="2" name="Title 1"/>
+          <p:cNvPr id="2" name="Título 1"/>
           <p:cNvSpPr>
             <a:spLocks noGrp="1"/>
           </p:cNvSpPr>
@@ -18903,170 +19211,35 @@
           <a:lstStyle/>
           <a:p>
             <a:r>
-              <a:rPr lang="es-ES" dirty="0" err="1" smtClean="0"/>
-              <a:t>Intent</a:t>
-            </a:r>
-            <a:endParaRPr lang="en-US" dirty="0"/>
-          </a:p>
-        </p:txBody>
-      </p:sp>
-      <p:sp>
-        <p:nvSpPr>
-          <p:cNvPr id="18" name="Rectangle 17"/>
+              <a:rPr lang="es-ES" dirty="0" smtClean="0"/>
+              <a:t>ACTIVIDAD EN CLASE</a:t>
+            </a:r>
+            <a:endParaRPr lang="es-CO" dirty="0"/>
+          </a:p>
+        </p:txBody>
+      </p:sp>
+      <p:sp>
+        <p:nvSpPr>
+          <p:cNvPr id="4" name="Rectángulo 3"/>
           <p:cNvSpPr/>
           <p:nvPr/>
         </p:nvSpPr>
         <p:spPr>
           <a:xfrm>
-            <a:off x="822960" y="3363838"/>
-            <a:ext cx="5515929" cy="1169551"/>
+            <a:off x="5868144" y="1635646"/>
+            <a:ext cx="1656184" cy="2664296"/>
           </a:xfrm>
           <a:prstGeom prst="rect">
             <a:avLst/>
           </a:prstGeom>
-        </p:spPr>
-        <p:txBody>
-          <a:bodyPr wrap="square">
-            <a:spAutoFit/>
-          </a:bodyPr>
-          <a:lstStyle/>
-          <a:p>
-            <a:r>
-              <a:rPr lang="es-ES" dirty="0" smtClean="0">
-                <a:solidFill>
-                  <a:schemeClr val="tx1"/>
-                </a:solidFill>
-                <a:latin typeface="+mj-lt"/>
-              </a:rPr>
-              <a:t>Igualmente pasa con una tercera actividad:</a:t>
-            </a:r>
-          </a:p>
-          <a:p>
-            <a:endParaRPr lang="es-ES" dirty="0">
-              <a:solidFill>
-                <a:schemeClr val="tx1"/>
-              </a:solidFill>
-              <a:latin typeface="+mj-lt"/>
-            </a:endParaRPr>
-          </a:p>
-          <a:p>
-            <a:r>
-              <a:rPr lang="es-ES" dirty="0" smtClean="0">
-                <a:solidFill>
-                  <a:schemeClr val="tx1"/>
-                </a:solidFill>
-                <a:latin typeface="+mj-lt"/>
-              </a:rPr>
-              <a:t>1. Desde la actividad 1, se llama a la actividad 2:</a:t>
-            </a:r>
-          </a:p>
-          <a:p>
-            <a:r>
-              <a:rPr lang="es-ES" dirty="0" err="1">
-                <a:solidFill>
-                  <a:schemeClr val="tx1"/>
-                </a:solidFill>
-                <a:latin typeface="Consolas" panose="020B0609020204030204" pitchFamily="49" charset="0"/>
-              </a:rPr>
-              <a:t>Intent</a:t>
-            </a:r>
-            <a:r>
-              <a:rPr lang="es-ES" dirty="0">
-                <a:solidFill>
-                  <a:schemeClr val="tx1"/>
-                </a:solidFill>
-                <a:latin typeface="Consolas" panose="020B0609020204030204" pitchFamily="49" charset="0"/>
-              </a:rPr>
-              <a:t> i = new </a:t>
-            </a:r>
-            <a:r>
-              <a:rPr lang="es-ES" dirty="0" err="1">
-                <a:solidFill>
-                  <a:schemeClr val="tx1"/>
-                </a:solidFill>
-                <a:latin typeface="Consolas" panose="020B0609020204030204" pitchFamily="49" charset="0"/>
-              </a:rPr>
-              <a:t>Intent</a:t>
-            </a:r>
-            <a:r>
-              <a:rPr lang="es-ES" dirty="0">
-                <a:solidFill>
-                  <a:schemeClr val="tx1"/>
-                </a:solidFill>
-                <a:latin typeface="Consolas" panose="020B0609020204030204" pitchFamily="49" charset="0"/>
-              </a:rPr>
-              <a:t>(</a:t>
-            </a:r>
-            <a:r>
-              <a:rPr lang="es-ES" dirty="0" err="1">
-                <a:solidFill>
-                  <a:schemeClr val="tx1"/>
-                </a:solidFill>
-                <a:latin typeface="Consolas" panose="020B0609020204030204" pitchFamily="49" charset="0"/>
-              </a:rPr>
-              <a:t>this</a:t>
-            </a:r>
-            <a:r>
-              <a:rPr lang="es-ES" dirty="0">
-                <a:solidFill>
-                  <a:schemeClr val="tx1"/>
-                </a:solidFill>
-                <a:latin typeface="Consolas" panose="020B0609020204030204" pitchFamily="49" charset="0"/>
-              </a:rPr>
-              <a:t>, Activity2.class);</a:t>
-            </a:r>
-          </a:p>
-          <a:p>
-            <a:r>
-              <a:rPr lang="es-ES" dirty="0" err="1">
-                <a:solidFill>
-                  <a:schemeClr val="tx1"/>
-                </a:solidFill>
-                <a:latin typeface="Consolas" panose="020B0609020204030204" pitchFamily="49" charset="0"/>
-              </a:rPr>
-              <a:t>startActivity</a:t>
-            </a:r>
-            <a:r>
-              <a:rPr lang="es-ES" dirty="0">
-                <a:solidFill>
-                  <a:schemeClr val="tx1"/>
-                </a:solidFill>
-                <a:latin typeface="Consolas" panose="020B0609020204030204" pitchFamily="49" charset="0"/>
-              </a:rPr>
-              <a:t>(i</a:t>
-            </a:r>
-            <a:r>
-              <a:rPr lang="es-ES" dirty="0" smtClean="0">
-                <a:solidFill>
-                  <a:schemeClr val="tx1"/>
-                </a:solidFill>
-                <a:latin typeface="Consolas" panose="020B0609020204030204" pitchFamily="49" charset="0"/>
-              </a:rPr>
-              <a:t>);</a:t>
-            </a:r>
-            <a:endParaRPr lang="es-ES" dirty="0" smtClean="0">
-              <a:solidFill>
-                <a:schemeClr val="tx1"/>
-              </a:solidFill>
-              <a:latin typeface="+mj-lt"/>
-            </a:endParaRPr>
-          </a:p>
-        </p:txBody>
-      </p:sp>
-      <p:sp>
-        <p:nvSpPr>
-          <p:cNvPr id="8" name="Rectangle 13"/>
-          <p:cNvSpPr/>
-          <p:nvPr/>
-        </p:nvSpPr>
-        <p:spPr>
-          <a:xfrm>
-            <a:off x="2092195" y="1635646"/>
-            <a:ext cx="1399685" cy="1076554"/>
-          </a:xfrm>
-          <a:prstGeom prst="rect">
-            <a:avLst/>
-          </a:prstGeom>
+          <a:solidFill>
+            <a:schemeClr val="bg1"/>
+          </a:solidFill>
+          <a:ln>
+            <a:solidFill>
+              <a:schemeClr val="accent1"/>
+            </a:solidFill>
+          </a:ln>
         </p:spPr>
         <p:style>
           <a:lnRef idx="2">
@@ -19089,32 +19262,20 @@
           <a:lstStyle/>
           <a:p>
             <a:pPr algn="ctr"/>
-            <a:r>
-              <a:rPr lang="es-ES" dirty="0" smtClean="0">
-                <a:solidFill>
-                  <a:schemeClr val="bg1"/>
-                </a:solidFill>
-              </a:rPr>
-              <a:t>Activity1</a:t>
-            </a:r>
-            <a:endParaRPr lang="en-US" dirty="0">
-              <a:solidFill>
-                <a:schemeClr val="bg1"/>
-              </a:solidFill>
-            </a:endParaRPr>
+            <a:endParaRPr lang="es-CO"/>
           </a:p>
         </p:txBody>
       </p:sp>
       <p:pic>
         <p:nvPicPr>
-          <p:cNvPr id="11" name="Picture 6" descr="Resultado de imagen de icesi logo blanco&quot;"/>
+          <p:cNvPr id="12" name="Picture 6" descr="Resultado de imagen de icesi logo blanco&quot;"/>
           <p:cNvPicPr>
             <a:picLocks noChangeAspect="1" noChangeArrowheads="1"/>
           </p:cNvPicPr>
           <p:nvPr/>
         </p:nvPicPr>
         <p:blipFill>
-          <a:blip r:embed="rId2">
+          <a:blip r:embed="rId3">
             <a:extLst>
               <a:ext uri="{28A0092B-C50C-407E-A947-70E740481C1C}">
                 <a14:useLocalDpi xmlns:a14="http://schemas.microsoft.com/office/drawing/2010/main" val="0"/>
@@ -19148,18 +19309,77 @@
       </p:pic>
       <p:sp>
         <p:nvSpPr>
-          <p:cNvPr id="13" name="Rectangle 15"/>
+          <p:cNvPr id="16" name="Rectángulo 15"/>
           <p:cNvSpPr/>
           <p:nvPr/>
         </p:nvSpPr>
         <p:spPr>
           <a:xfrm>
-            <a:off x="7308304" y="1625256"/>
-            <a:ext cx="841774" cy="1076554"/>
+            <a:off x="1330949" y="2415782"/>
+            <a:ext cx="1701107" cy="800219"/>
           </a:xfrm>
           <a:prstGeom prst="rect">
             <a:avLst/>
           </a:prstGeom>
+        </p:spPr>
+        <p:txBody>
+          <a:bodyPr wrap="none">
+            <a:spAutoFit/>
+          </a:bodyPr>
+          <a:lstStyle/>
+          <a:p>
+            <a:pPr algn="ctr"/>
+            <a:r>
+              <a:rPr lang="es-ES" b="1" dirty="0" smtClean="0">
+                <a:solidFill>
+                  <a:schemeClr val="tx1"/>
+                </a:solidFill>
+              </a:rPr>
+              <a:t>ACTIVIDAD</a:t>
+            </a:r>
+          </a:p>
+          <a:p>
+            <a:pPr algn="ctr"/>
+            <a:r>
+              <a:rPr lang="es-ES" sz="3200" b="1" dirty="0" smtClean="0">
+                <a:solidFill>
+                  <a:schemeClr val="accent2"/>
+                </a:solidFill>
+                <a:latin typeface="Arial Narrow" panose="020B0606020202030204" pitchFamily="34" charset="0"/>
+              </a:rPr>
+              <a:t>SIDEBAR</a:t>
+            </a:r>
+            <a:endParaRPr lang="es-CO" b="1" dirty="0">
+              <a:solidFill>
+                <a:schemeClr val="accent2"/>
+              </a:solidFill>
+              <a:latin typeface="Arial Narrow" panose="020B0606020202030204" pitchFamily="34" charset="0"/>
+            </a:endParaRPr>
+          </a:p>
+        </p:txBody>
+      </p:sp>
+      <p:sp>
+        <p:nvSpPr>
+          <p:cNvPr id="17" name="Rectángulo 16"/>
+          <p:cNvSpPr/>
+          <p:nvPr/>
+        </p:nvSpPr>
+        <p:spPr>
+          <a:xfrm>
+            <a:off x="5878780" y="1635646"/>
+            <a:ext cx="781452" cy="2664296"/>
+          </a:xfrm>
+          <a:prstGeom prst="rect">
+            <a:avLst/>
+          </a:prstGeom>
+          <a:solidFill>
+            <a:schemeClr val="accent2"/>
+          </a:solidFill>
+          <a:ln>
+            <a:solidFill>
+              <a:schemeClr val="accent1"/>
+            </a:solidFill>
+          </a:ln>
         </p:spPr>
         <p:style>
           <a:lnRef idx="2">
@@ -19178,62 +19398,124 @@
           </a:fontRef>
         </p:style>
         <p:txBody>
-          <a:bodyPr rtlCol="0" anchor="t"/>
-          <a:lstStyle/>
-          <a:p>
-            <a:r>
-              <a:rPr lang="en-US" dirty="0">
+          <a:bodyPr rtlCol="0" anchor="ctr"/>
+          <a:lstStyle/>
+          <a:p>
+            <a:r>
+              <a:rPr lang="es-ES" dirty="0" smtClean="0">
                 <a:solidFill>
                   <a:schemeClr val="bg1"/>
                 </a:solidFill>
               </a:rPr>
-              <a:t>1</a:t>
-            </a:r>
-          </a:p>
-        </p:txBody>
-      </p:sp>
-      <p:sp>
-        <p:nvSpPr>
-          <p:cNvPr id="3" name="CuadroTexto 2"/>
-          <p:cNvSpPr txBox="1"/>
-          <p:nvPr/>
-        </p:nvSpPr>
-        <p:spPr>
-          <a:xfrm>
-            <a:off x="6732240" y="2791497"/>
-            <a:ext cx="2016224" cy="307777"/>
-          </a:xfrm>
-          <a:prstGeom prst="rect">
-            <a:avLst/>
-          </a:prstGeom>
-          <a:noFill/>
-        </p:spPr>
-        <p:txBody>
-          <a:bodyPr wrap="square" rtlCol="0">
-            <a:spAutoFit/>
-          </a:bodyPr>
-          <a:lstStyle/>
+              <a:t>Home</a:t>
+            </a:r>
+          </a:p>
+          <a:p>
+            <a:r>
+              <a:rPr lang="es-ES" dirty="0" err="1" smtClean="0">
+                <a:solidFill>
+                  <a:schemeClr val="bg1"/>
+                </a:solidFill>
+              </a:rPr>
+              <a:t>Profile</a:t>
+            </a:r>
+            <a:endParaRPr lang="es-ES" dirty="0" smtClean="0">
+              <a:solidFill>
+                <a:schemeClr val="bg1"/>
+              </a:solidFill>
+            </a:endParaRPr>
+          </a:p>
+          <a:p>
+            <a:r>
+              <a:rPr lang="es-ES" dirty="0" err="1" smtClean="0">
+                <a:solidFill>
+                  <a:schemeClr val="bg1"/>
+                </a:solidFill>
+              </a:rPr>
+              <a:t>Search</a:t>
+            </a:r>
+            <a:endParaRPr lang="es-ES" dirty="0" smtClean="0">
+              <a:solidFill>
+                <a:schemeClr val="bg1"/>
+              </a:solidFill>
+            </a:endParaRPr>
+          </a:p>
+          <a:p>
+            <a:r>
+              <a:rPr lang="es-ES" dirty="0" err="1" smtClean="0">
+                <a:solidFill>
+                  <a:schemeClr val="bg1"/>
+                </a:solidFill>
+              </a:rPr>
+              <a:t>Exit</a:t>
+            </a:r>
+            <a:endParaRPr lang="es-ES" dirty="0" smtClean="0">
+              <a:solidFill>
+                <a:schemeClr val="bg1"/>
+              </a:solidFill>
+            </a:endParaRPr>
+          </a:p>
           <a:p>
             <a:pPr algn="ctr"/>
-            <a:r>
-              <a:rPr lang="es-ES" dirty="0" smtClean="0">
-                <a:solidFill>
-                  <a:schemeClr val="tx1"/>
-                </a:solidFill>
-              </a:rPr>
-              <a:t>Pila de </a:t>
-            </a:r>
-            <a:r>
-              <a:rPr lang="es-ES" dirty="0" err="1" smtClean="0">
-                <a:solidFill>
-                  <a:schemeClr val="tx1"/>
-                </a:solidFill>
-              </a:rPr>
-              <a:t>activities</a:t>
-            </a:r>
+            <a:endParaRPr lang="es-ES" dirty="0">
+              <a:solidFill>
+                <a:schemeClr val="bg1"/>
+              </a:solidFill>
+            </a:endParaRPr>
+          </a:p>
+          <a:p>
+            <a:pPr algn="ctr"/>
+            <a:endParaRPr lang="es-ES" dirty="0" smtClean="0">
+              <a:solidFill>
+                <a:schemeClr val="bg1"/>
+              </a:solidFill>
+            </a:endParaRPr>
+          </a:p>
+          <a:p>
+            <a:pPr algn="ctr"/>
+            <a:endParaRPr lang="es-ES" dirty="0">
+              <a:solidFill>
+                <a:schemeClr val="bg1"/>
+              </a:solidFill>
+            </a:endParaRPr>
+          </a:p>
+          <a:p>
+            <a:pPr algn="ctr"/>
+            <a:endParaRPr lang="es-ES" dirty="0" smtClean="0">
+              <a:solidFill>
+                <a:schemeClr val="bg1"/>
+              </a:solidFill>
+            </a:endParaRPr>
+          </a:p>
+          <a:p>
+            <a:pPr algn="ctr"/>
+            <a:endParaRPr lang="es-ES" dirty="0">
+              <a:solidFill>
+                <a:schemeClr val="bg1"/>
+              </a:solidFill>
+            </a:endParaRPr>
+          </a:p>
+          <a:p>
+            <a:pPr algn="ctr"/>
+            <a:endParaRPr lang="es-ES" dirty="0" smtClean="0">
+              <a:solidFill>
+                <a:schemeClr val="bg1"/>
+              </a:solidFill>
+            </a:endParaRPr>
+          </a:p>
+          <a:p>
+            <a:pPr algn="ctr"/>
+            <a:endParaRPr lang="es-ES" dirty="0">
+              <a:solidFill>
+                <a:schemeClr val="bg1"/>
+              </a:solidFill>
+            </a:endParaRPr>
+          </a:p>
+          <a:p>
+            <a:pPr algn="ctr"/>
             <a:endParaRPr lang="es-CO" dirty="0">
               <a:solidFill>
-                <a:schemeClr val="tx1"/>
+                <a:schemeClr val="bg1"/>
               </a:solidFill>
             </a:endParaRPr>
           </a:p>
@@ -19242,7 +19524,7 @@
     </p:spTree>
     <p:extLst>
       <p:ext uri="{BB962C8B-B14F-4D97-AF65-F5344CB8AC3E}">
-        <p14:creationId xmlns:p14="http://schemas.microsoft.com/office/powerpoint/2010/main" val="1869707287"/>
+        <p14:creationId xmlns:p14="http://schemas.microsoft.com/office/powerpoint/2010/main" val="831290044"/>
       </p:ext>
     </p:extLst>
   </p:cSld>
@@ -19278,7 +19560,7 @@
       </p:grpSpPr>
       <p:sp>
         <p:nvSpPr>
-          <p:cNvPr id="2" name="Title 1"/>
+          <p:cNvPr id="2" name="Título 1"/>
           <p:cNvSpPr>
             <a:spLocks noGrp="1"/>
           </p:cNvSpPr>
@@ -19292,169 +19574,35 @@
           <a:lstStyle/>
           <a:p>
             <a:r>
-              <a:rPr lang="es-ES" dirty="0" err="1" smtClean="0"/>
-              <a:t>Intent</a:t>
-            </a:r>
-            <a:endParaRPr lang="en-US" dirty="0"/>
-          </a:p>
-        </p:txBody>
-      </p:sp>
-      <p:sp>
-        <p:nvSpPr>
-          <p:cNvPr id="18" name="Rectangle 17"/>
+              <a:rPr lang="es-ES" dirty="0" smtClean="0"/>
+              <a:t>ACTIVIDAD EN CLASE</a:t>
+            </a:r>
+            <a:endParaRPr lang="es-CO" dirty="0"/>
+          </a:p>
+        </p:txBody>
+      </p:sp>
+      <p:sp>
+        <p:nvSpPr>
+          <p:cNvPr id="4" name="Rectángulo 3"/>
           <p:cNvSpPr/>
           <p:nvPr/>
         </p:nvSpPr>
         <p:spPr>
           <a:xfrm>
-            <a:off x="822960" y="3363838"/>
-            <a:ext cx="5515929" cy="738664"/>
+            <a:off x="5868144" y="1635646"/>
+            <a:ext cx="1656184" cy="2664296"/>
           </a:xfrm>
           <a:prstGeom prst="rect">
             <a:avLst/>
           </a:prstGeom>
-        </p:spPr>
-        <p:txBody>
-          <a:bodyPr wrap="square">
-            <a:spAutoFit/>
-          </a:bodyPr>
-          <a:lstStyle/>
-          <a:p>
-            <a:r>
-              <a:rPr lang="es-ES" dirty="0" smtClean="0">
-                <a:solidFill>
-                  <a:schemeClr val="tx1"/>
-                </a:solidFill>
-                <a:latin typeface="+mj-lt"/>
-              </a:rPr>
-              <a:t>2. Ya en la actividad2, podemos invocar una tercera actividad</a:t>
-            </a:r>
-          </a:p>
-          <a:p>
-            <a:r>
-              <a:rPr lang="es-ES" dirty="0" err="1">
-                <a:solidFill>
-                  <a:schemeClr val="tx1"/>
-                </a:solidFill>
-                <a:latin typeface="Consolas" panose="020B0609020204030204" pitchFamily="49" charset="0"/>
-              </a:rPr>
-              <a:t>Intent</a:t>
-            </a:r>
-            <a:r>
-              <a:rPr lang="es-ES" dirty="0">
-                <a:solidFill>
-                  <a:schemeClr val="tx1"/>
-                </a:solidFill>
-                <a:latin typeface="Consolas" panose="020B0609020204030204" pitchFamily="49" charset="0"/>
-              </a:rPr>
-              <a:t> i = new </a:t>
-            </a:r>
-            <a:r>
-              <a:rPr lang="es-ES" dirty="0" err="1">
-                <a:solidFill>
-                  <a:schemeClr val="tx1"/>
-                </a:solidFill>
-                <a:latin typeface="Consolas" panose="020B0609020204030204" pitchFamily="49" charset="0"/>
-              </a:rPr>
-              <a:t>Intent</a:t>
-            </a:r>
-            <a:r>
-              <a:rPr lang="es-ES" dirty="0">
-                <a:solidFill>
-                  <a:schemeClr val="tx1"/>
-                </a:solidFill>
-                <a:latin typeface="Consolas" panose="020B0609020204030204" pitchFamily="49" charset="0"/>
-              </a:rPr>
-              <a:t>(</a:t>
-            </a:r>
-            <a:r>
-              <a:rPr lang="es-ES" dirty="0" err="1">
-                <a:solidFill>
-                  <a:schemeClr val="tx1"/>
-                </a:solidFill>
-                <a:latin typeface="Consolas" panose="020B0609020204030204" pitchFamily="49" charset="0"/>
-              </a:rPr>
-              <a:t>this</a:t>
-            </a:r>
-            <a:r>
-              <a:rPr lang="es-ES" dirty="0">
-                <a:solidFill>
-                  <a:schemeClr val="tx1"/>
-                </a:solidFill>
-                <a:latin typeface="Consolas" panose="020B0609020204030204" pitchFamily="49" charset="0"/>
-              </a:rPr>
-              <a:t>, </a:t>
-            </a:r>
-            <a:r>
-              <a:rPr lang="es-ES" dirty="0" smtClean="0">
-                <a:solidFill>
-                  <a:schemeClr val="tx1"/>
-                </a:solidFill>
-                <a:latin typeface="Consolas" panose="020B0609020204030204" pitchFamily="49" charset="0"/>
-              </a:rPr>
-              <a:t>Activity3.class</a:t>
-            </a:r>
-            <a:r>
-              <a:rPr lang="es-ES" dirty="0">
-                <a:solidFill>
-                  <a:schemeClr val="tx1"/>
-                </a:solidFill>
-                <a:latin typeface="Consolas" panose="020B0609020204030204" pitchFamily="49" charset="0"/>
-              </a:rPr>
-              <a:t>);</a:t>
-            </a:r>
-          </a:p>
-          <a:p>
-            <a:r>
-              <a:rPr lang="es-ES" dirty="0" err="1">
-                <a:solidFill>
-                  <a:schemeClr val="tx1"/>
-                </a:solidFill>
-                <a:latin typeface="Consolas" panose="020B0609020204030204" pitchFamily="49" charset="0"/>
-              </a:rPr>
-              <a:t>startActivity</a:t>
-            </a:r>
-            <a:r>
-              <a:rPr lang="es-ES" dirty="0">
-                <a:solidFill>
-                  <a:schemeClr val="tx1"/>
-                </a:solidFill>
-                <a:latin typeface="Consolas" panose="020B0609020204030204" pitchFamily="49" charset="0"/>
-              </a:rPr>
-              <a:t>(i</a:t>
-            </a:r>
-            <a:r>
-              <a:rPr lang="es-ES" dirty="0" smtClean="0">
-                <a:solidFill>
-                  <a:schemeClr val="tx1"/>
-                </a:solidFill>
-                <a:latin typeface="Consolas" panose="020B0609020204030204" pitchFamily="49" charset="0"/>
-              </a:rPr>
-              <a:t>);</a:t>
-            </a:r>
-            <a:endParaRPr lang="es-ES" dirty="0" smtClean="0">
-              <a:solidFill>
-                <a:schemeClr val="tx1"/>
-              </a:solidFill>
-              <a:latin typeface="+mj-lt"/>
-            </a:endParaRPr>
-          </a:p>
-        </p:txBody>
-      </p:sp>
-      <p:sp>
-        <p:nvSpPr>
-          <p:cNvPr id="8" name="Rectangle 13"/>
-          <p:cNvSpPr/>
-          <p:nvPr/>
-        </p:nvSpPr>
-        <p:spPr>
-          <a:xfrm>
-            <a:off x="611560" y="1635646"/>
-            <a:ext cx="1399685" cy="1076554"/>
-          </a:xfrm>
-          <a:prstGeom prst="rect">
-            <a:avLst/>
-          </a:prstGeom>
+          <a:solidFill>
+            <a:schemeClr val="bg1"/>
+          </a:solidFill>
+          <a:ln>
+            <a:solidFill>
+              <a:schemeClr val="accent1"/>
+            </a:solidFill>
+          </a:ln>
         </p:spPr>
         <p:style>
           <a:lnRef idx="2">
@@ -19477,32 +19625,20 @@
           <a:lstStyle/>
           <a:p>
             <a:pPr algn="ctr"/>
-            <a:r>
-              <a:rPr lang="es-ES" dirty="0" smtClean="0">
-                <a:solidFill>
-                  <a:schemeClr val="bg1"/>
-                </a:solidFill>
-              </a:rPr>
-              <a:t>Activity1</a:t>
-            </a:r>
-            <a:endParaRPr lang="en-US" dirty="0">
-              <a:solidFill>
-                <a:schemeClr val="bg1"/>
-              </a:solidFill>
-            </a:endParaRPr>
+            <a:endParaRPr lang="es-CO"/>
           </a:p>
         </p:txBody>
       </p:sp>
       <p:pic>
         <p:nvPicPr>
-          <p:cNvPr id="11" name="Picture 6" descr="Resultado de imagen de icesi logo blanco&quot;"/>
+          <p:cNvPr id="12" name="Picture 6" descr="Resultado de imagen de icesi logo blanco&quot;"/>
           <p:cNvPicPr>
             <a:picLocks noChangeAspect="1" noChangeArrowheads="1"/>
           </p:cNvPicPr>
           <p:nvPr/>
         </p:nvPicPr>
         <p:blipFill>
-          <a:blip r:embed="rId2">
+          <a:blip r:embed="rId3">
             <a:extLst>
               <a:ext uri="{28A0092B-C50C-407E-A947-70E740481C1C}">
                 <a14:useLocalDpi xmlns:a14="http://schemas.microsoft.com/office/drawing/2010/main" val="0"/>
@@ -19536,18 +19672,26 @@
       </p:pic>
       <p:sp>
         <p:nvSpPr>
-          <p:cNvPr id="13" name="Rectangle 15"/>
+          <p:cNvPr id="17" name="Rectángulo 16"/>
           <p:cNvSpPr/>
           <p:nvPr/>
         </p:nvSpPr>
         <p:spPr>
           <a:xfrm>
-            <a:off x="7092280" y="1584110"/>
-            <a:ext cx="841774" cy="1076554"/>
+            <a:off x="5878780" y="1635646"/>
+            <a:ext cx="781452" cy="2664296"/>
           </a:xfrm>
           <a:prstGeom prst="rect">
             <a:avLst/>
           </a:prstGeom>
+          <a:solidFill>
+            <a:schemeClr val="accent2"/>
+          </a:solidFill>
+          <a:ln>
+            <a:solidFill>
+              <a:schemeClr val="accent1"/>
+            </a:solidFill>
+          </a:ln>
         </p:spPr>
         <p:style>
           <a:lnRef idx="2">
@@ -19566,333 +19710,184 @@
           </a:fontRef>
         </p:style>
         <p:txBody>
-          <a:bodyPr rtlCol="0" anchor="t"/>
-          <a:lstStyle/>
-          <a:p>
-            <a:r>
-              <a:rPr lang="en-US" dirty="0">
+          <a:bodyPr rtlCol="0" anchor="ctr"/>
+          <a:lstStyle/>
+          <a:p>
+            <a:r>
+              <a:rPr lang="es-ES" dirty="0" smtClean="0">
                 <a:solidFill>
                   <a:schemeClr val="bg1"/>
                 </a:solidFill>
               </a:rPr>
-              <a:t>1</a:t>
-            </a:r>
-          </a:p>
-        </p:txBody>
-      </p:sp>
-      <p:sp>
-        <p:nvSpPr>
-          <p:cNvPr id="3" name="CuadroTexto 2"/>
-          <p:cNvSpPr txBox="1"/>
-          <p:nvPr/>
-        </p:nvSpPr>
-        <p:spPr>
-          <a:xfrm>
-            <a:off x="6732240" y="3272085"/>
-            <a:ext cx="2016224" cy="307777"/>
-          </a:xfrm>
-          <a:prstGeom prst="rect">
-            <a:avLst/>
-          </a:prstGeom>
-          <a:noFill/>
-        </p:spPr>
-        <p:txBody>
-          <a:bodyPr wrap="square" rtlCol="0">
-            <a:spAutoFit/>
-          </a:bodyPr>
-          <a:lstStyle/>
+              <a:t>Home</a:t>
+            </a:r>
+          </a:p>
+          <a:p>
+            <a:r>
+              <a:rPr lang="es-ES" dirty="0" err="1" smtClean="0">
+                <a:solidFill>
+                  <a:schemeClr val="bg1"/>
+                </a:solidFill>
+              </a:rPr>
+              <a:t>Profile</a:t>
+            </a:r>
+            <a:endParaRPr lang="es-ES" dirty="0" smtClean="0">
+              <a:solidFill>
+                <a:schemeClr val="bg1"/>
+              </a:solidFill>
+            </a:endParaRPr>
+          </a:p>
+          <a:p>
+            <a:r>
+              <a:rPr lang="es-ES" dirty="0" err="1" smtClean="0">
+                <a:solidFill>
+                  <a:schemeClr val="bg1"/>
+                </a:solidFill>
+              </a:rPr>
+              <a:t>Search</a:t>
+            </a:r>
+            <a:endParaRPr lang="es-ES" dirty="0" smtClean="0">
+              <a:solidFill>
+                <a:schemeClr val="bg1"/>
+              </a:solidFill>
+            </a:endParaRPr>
+          </a:p>
+          <a:p>
+            <a:r>
+              <a:rPr lang="es-ES" dirty="0" err="1" smtClean="0">
+                <a:solidFill>
+                  <a:schemeClr val="bg1"/>
+                </a:solidFill>
+              </a:rPr>
+              <a:t>Exit</a:t>
+            </a:r>
+            <a:endParaRPr lang="es-ES" dirty="0" smtClean="0">
+              <a:solidFill>
+                <a:schemeClr val="bg1"/>
+              </a:solidFill>
+            </a:endParaRPr>
+          </a:p>
           <a:p>
             <a:pPr algn="ctr"/>
-            <a:r>
-              <a:rPr lang="es-ES" dirty="0" smtClean="0">
-                <a:solidFill>
-                  <a:schemeClr val="tx1"/>
-                </a:solidFill>
-              </a:rPr>
-              <a:t>Pila de </a:t>
-            </a:r>
-            <a:r>
-              <a:rPr lang="es-ES" dirty="0" err="1" smtClean="0">
-                <a:solidFill>
-                  <a:schemeClr val="tx1"/>
-                </a:solidFill>
-              </a:rPr>
-              <a:t>activities</a:t>
-            </a:r>
+            <a:endParaRPr lang="es-ES" dirty="0">
+              <a:solidFill>
+                <a:schemeClr val="bg1"/>
+              </a:solidFill>
+            </a:endParaRPr>
+          </a:p>
+          <a:p>
+            <a:pPr algn="ctr"/>
+            <a:endParaRPr lang="es-ES" dirty="0" smtClean="0">
+              <a:solidFill>
+                <a:schemeClr val="bg1"/>
+              </a:solidFill>
+            </a:endParaRPr>
+          </a:p>
+          <a:p>
+            <a:pPr algn="ctr"/>
+            <a:endParaRPr lang="es-ES" dirty="0">
+              <a:solidFill>
+                <a:schemeClr val="bg1"/>
+              </a:solidFill>
+            </a:endParaRPr>
+          </a:p>
+          <a:p>
+            <a:pPr algn="ctr"/>
+            <a:endParaRPr lang="es-ES" dirty="0" smtClean="0">
+              <a:solidFill>
+                <a:schemeClr val="bg1"/>
+              </a:solidFill>
+            </a:endParaRPr>
+          </a:p>
+          <a:p>
+            <a:pPr algn="ctr"/>
+            <a:endParaRPr lang="es-ES" dirty="0">
+              <a:solidFill>
+                <a:schemeClr val="bg1"/>
+              </a:solidFill>
+            </a:endParaRPr>
+          </a:p>
+          <a:p>
+            <a:pPr algn="ctr"/>
+            <a:endParaRPr lang="es-ES" dirty="0" smtClean="0">
+              <a:solidFill>
+                <a:schemeClr val="bg1"/>
+              </a:solidFill>
+            </a:endParaRPr>
+          </a:p>
+          <a:p>
+            <a:pPr algn="ctr"/>
+            <a:endParaRPr lang="es-ES" dirty="0">
+              <a:solidFill>
+                <a:schemeClr val="bg1"/>
+              </a:solidFill>
+            </a:endParaRPr>
+          </a:p>
+          <a:p>
+            <a:pPr algn="ctr"/>
             <a:endParaRPr lang="es-CO" dirty="0">
               <a:solidFill>
-                <a:schemeClr val="tx1"/>
-              </a:solidFill>
-            </a:endParaRPr>
-          </a:p>
-        </p:txBody>
-      </p:sp>
-      <p:sp>
-        <p:nvSpPr>
-          <p:cNvPr id="9" name="Rectangle 13"/>
-          <p:cNvSpPr/>
-          <p:nvPr/>
-        </p:nvSpPr>
-        <p:spPr>
-          <a:xfrm>
-            <a:off x="2339752" y="1635646"/>
-            <a:ext cx="1399685" cy="1076554"/>
-          </a:xfrm>
-          <a:prstGeom prst="rect">
-            <a:avLst/>
-          </a:prstGeom>
-        </p:spPr>
-        <p:style>
-          <a:lnRef idx="2">
-            <a:schemeClr val="accent1">
-              <a:shade val="50000"/>
-            </a:schemeClr>
-          </a:lnRef>
-          <a:fillRef idx="1">
-            <a:schemeClr val="accent1"/>
-          </a:fillRef>
-          <a:effectRef idx="0">
-            <a:schemeClr val="accent1"/>
-          </a:effectRef>
-          <a:fontRef idx="minor">
-            <a:schemeClr val="lt1"/>
-          </a:fontRef>
-        </p:style>
-        <p:txBody>
-          <a:bodyPr rtlCol="0" anchor="ctr"/>
-          <a:lstStyle/>
-          <a:p>
-            <a:pPr algn="ctr"/>
-            <a:r>
-              <a:rPr lang="es-ES" dirty="0" smtClean="0">
-                <a:solidFill>
-                  <a:schemeClr val="bg1"/>
-                </a:solidFill>
-              </a:rPr>
-              <a:t>Activity2</a:t>
-            </a:r>
-            <a:endParaRPr lang="en-US" dirty="0">
-              <a:solidFill>
                 <a:schemeClr val="bg1"/>
               </a:solidFill>
             </a:endParaRPr>
           </a:p>
         </p:txBody>
       </p:sp>
-      <p:cxnSp>
-        <p:nvCxnSpPr>
-          <p:cNvPr id="5" name="Conector recto de flecha 4"/>
-          <p:cNvCxnSpPr>
-            <a:stCxn id="8" idx="3"/>
-            <a:endCxn id="9" idx="1"/>
-          </p:cNvCxnSpPr>
-          <p:nvPr/>
-        </p:nvCxnSpPr>
-        <p:spPr>
-          <a:xfrm>
-            <a:off x="2011245" y="2173923"/>
-            <a:ext cx="328507" cy="0"/>
-          </a:xfrm>
-          <a:prstGeom prst="straightConnector1">
-            <a:avLst/>
-          </a:prstGeom>
-          <a:ln>
-            <a:tailEnd type="triangle"/>
-          </a:ln>
-        </p:spPr>
-        <p:style>
-          <a:lnRef idx="1">
-            <a:schemeClr val="accent1"/>
-          </a:lnRef>
-          <a:fillRef idx="0">
-            <a:schemeClr val="accent1"/>
-          </a:fillRef>
-          <a:effectRef idx="0">
-            <a:schemeClr val="accent1"/>
-          </a:effectRef>
-          <a:fontRef idx="minor">
-            <a:schemeClr val="tx1"/>
-          </a:fontRef>
-        </p:style>
-      </p:cxnSp>
-      <p:sp>
-        <p:nvSpPr>
-          <p:cNvPr id="12" name="Rectangle 15"/>
-          <p:cNvSpPr/>
-          <p:nvPr/>
-        </p:nvSpPr>
-        <p:spPr>
-          <a:xfrm>
-            <a:off x="7308962" y="1827685"/>
-            <a:ext cx="841774" cy="1076554"/>
-          </a:xfrm>
-          <a:prstGeom prst="rect">
-            <a:avLst/>
-          </a:prstGeom>
-        </p:spPr>
-        <p:style>
-          <a:lnRef idx="2">
-            <a:schemeClr val="accent1">
-              <a:shade val="50000"/>
-            </a:schemeClr>
-          </a:lnRef>
-          <a:fillRef idx="1">
-            <a:schemeClr val="accent1"/>
-          </a:fillRef>
-          <a:effectRef idx="0">
-            <a:schemeClr val="accent1"/>
-          </a:effectRef>
-          <a:fontRef idx="minor">
-            <a:schemeClr val="lt1"/>
-          </a:fontRef>
-        </p:style>
-        <p:txBody>
-          <a:bodyPr rtlCol="0" anchor="t"/>
-          <a:lstStyle/>
-          <a:p>
-            <a:r>
-              <a:rPr lang="en-US" dirty="0" smtClean="0">
-                <a:solidFill>
-                  <a:schemeClr val="bg1"/>
-                </a:solidFill>
-              </a:rPr>
-              <a:t>2</a:t>
-            </a:r>
-            <a:endParaRPr lang="en-US" dirty="0">
-              <a:solidFill>
-                <a:schemeClr val="bg1"/>
-              </a:solidFill>
-            </a:endParaRPr>
-          </a:p>
-        </p:txBody>
-      </p:sp>
-      <p:cxnSp>
-        <p:nvCxnSpPr>
-          <p:cNvPr id="14" name="Conector recto de flecha 13"/>
-          <p:cNvCxnSpPr/>
-          <p:nvPr/>
-        </p:nvCxnSpPr>
-        <p:spPr>
-          <a:xfrm>
-            <a:off x="3739437" y="2173923"/>
-            <a:ext cx="328507" cy="0"/>
-          </a:xfrm>
-          <a:prstGeom prst="straightConnector1">
-            <a:avLst/>
-          </a:prstGeom>
-          <a:ln>
-            <a:tailEnd type="triangle"/>
-          </a:ln>
-        </p:spPr>
-        <p:style>
-          <a:lnRef idx="1">
-            <a:schemeClr val="accent1"/>
-          </a:lnRef>
-          <a:fillRef idx="0">
-            <a:schemeClr val="accent1"/>
-          </a:fillRef>
-          <a:effectRef idx="0">
-            <a:schemeClr val="accent1"/>
-          </a:effectRef>
-          <a:fontRef idx="minor">
-            <a:schemeClr val="tx1"/>
-          </a:fontRef>
-        </p:style>
-      </p:cxnSp>
-      <p:sp>
-        <p:nvSpPr>
-          <p:cNvPr id="15" name="Rectangle 13"/>
-          <p:cNvSpPr/>
-          <p:nvPr/>
-        </p:nvSpPr>
-        <p:spPr>
-          <a:xfrm>
-            <a:off x="4067944" y="1635646"/>
-            <a:ext cx="1399685" cy="1076554"/>
-          </a:xfrm>
-          <a:prstGeom prst="rect">
-            <a:avLst/>
-          </a:prstGeom>
-        </p:spPr>
-        <p:style>
-          <a:lnRef idx="2">
-            <a:schemeClr val="accent1">
-              <a:shade val="50000"/>
-            </a:schemeClr>
-          </a:lnRef>
-          <a:fillRef idx="1">
-            <a:schemeClr val="accent1"/>
-          </a:fillRef>
-          <a:effectRef idx="0">
-            <a:schemeClr val="accent1"/>
-          </a:effectRef>
-          <a:fontRef idx="minor">
-            <a:schemeClr val="lt1"/>
-          </a:fontRef>
-        </p:style>
-        <p:txBody>
-          <a:bodyPr rtlCol="0" anchor="ctr"/>
-          <a:lstStyle/>
-          <a:p>
-            <a:pPr algn="ctr"/>
-            <a:r>
-              <a:rPr lang="es-ES" dirty="0" smtClean="0">
-                <a:solidFill>
-                  <a:schemeClr val="bg1"/>
-                </a:solidFill>
-              </a:rPr>
-              <a:t>Activity3</a:t>
-            </a:r>
-            <a:endParaRPr lang="en-US" dirty="0">
-              <a:solidFill>
-                <a:schemeClr val="bg1"/>
-              </a:solidFill>
-            </a:endParaRPr>
-          </a:p>
-        </p:txBody>
-      </p:sp>
-      <p:sp>
-        <p:nvSpPr>
-          <p:cNvPr id="16" name="Rectangle 15"/>
-          <p:cNvSpPr/>
-          <p:nvPr/>
-        </p:nvSpPr>
-        <p:spPr>
-          <a:xfrm>
-            <a:off x="7563185" y="2071260"/>
-            <a:ext cx="841774" cy="1076554"/>
-          </a:xfrm>
-          <a:prstGeom prst="rect">
-            <a:avLst/>
-          </a:prstGeom>
-        </p:spPr>
-        <p:style>
-          <a:lnRef idx="2">
-            <a:schemeClr val="accent1">
-              <a:shade val="50000"/>
-            </a:schemeClr>
-          </a:lnRef>
-          <a:fillRef idx="1">
-            <a:schemeClr val="accent1"/>
-          </a:fillRef>
-          <a:effectRef idx="0">
-            <a:schemeClr val="accent1"/>
-          </a:effectRef>
-          <a:fontRef idx="minor">
-            <a:schemeClr val="lt1"/>
-          </a:fontRef>
-        </p:style>
-        <p:txBody>
-          <a:bodyPr rtlCol="0" anchor="t"/>
-          <a:lstStyle/>
-          <a:p>
-            <a:r>
-              <a:rPr lang="en-US" dirty="0">
-                <a:solidFill>
-                  <a:schemeClr val="bg1"/>
-                </a:solidFill>
-              </a:rPr>
-              <a:t>3</a:t>
+      <p:sp>
+        <p:nvSpPr>
+          <p:cNvPr id="7" name="Marcador de contenido 2"/>
+          <p:cNvSpPr>
+            <a:spLocks noGrp="1"/>
+          </p:cNvSpPr>
+          <p:nvPr>
+            <p:ph idx="1"/>
+          </p:nvPr>
+        </p:nvSpPr>
+        <p:spPr>
+          <a:xfrm>
+            <a:off x="822960" y="1384301"/>
+            <a:ext cx="3018569" cy="3017520"/>
+          </a:xfrm>
+        </p:spPr>
+        <p:txBody>
+          <a:bodyPr/>
+          <a:lstStyle/>
+          <a:p>
+            <a:r>
+              <a:rPr lang="es-ES" dirty="0" smtClean="0"/>
+              <a:t>Intente hacer un menú lateral que salga desde la derecha.</a:t>
+            </a:r>
+          </a:p>
+          <a:p>
+            <a:endParaRPr lang="es-ES" dirty="0"/>
+          </a:p>
+          <a:p>
+            <a:r>
+              <a:rPr lang="es-ES" dirty="0" smtClean="0"/>
+              <a:t>El menú debe salir usando un gesto de deslizamiento.</a:t>
+            </a:r>
+          </a:p>
+          <a:p>
+            <a:endParaRPr lang="es-ES" dirty="0"/>
+          </a:p>
+          <a:p>
+            <a:r>
+              <a:rPr lang="es-ES" dirty="0" smtClean="0"/>
+              <a:t>Hágalo usando el </a:t>
+            </a:r>
+            <a:r>
+              <a:rPr lang="es-ES" dirty="0" err="1" smtClean="0"/>
+              <a:t>onTouchListener</a:t>
+            </a:r>
+            <a:endParaRPr lang="es-ES" dirty="0" smtClean="0"/>
+          </a:p>
+          <a:p>
+            <a:endParaRPr lang="es-ES" dirty="0"/>
+          </a:p>
+          <a:p>
+            <a:r>
+              <a:rPr lang="es-ES" dirty="0" smtClean="0"/>
+              <a:t>Desarróllenlo en parejas</a:t>
             </a:r>
           </a:p>
         </p:txBody>
@@ -19900,7 +19895,7 @@
     </p:spTree>
     <p:extLst>
       <p:ext uri="{BB962C8B-B14F-4D97-AF65-F5344CB8AC3E}">
-        <p14:creationId xmlns:p14="http://schemas.microsoft.com/office/powerpoint/2010/main" val="1595306847"/>
+        <p14:creationId xmlns:p14="http://schemas.microsoft.com/office/powerpoint/2010/main" val="734066360"/>
       </p:ext>
     </p:extLst>
   </p:cSld>
@@ -33487,11 +33482,6 @@
               </a:rPr>
               <a:t>ACTIVIDAD</a:t>
             </a:r>
-            <a:endParaRPr lang="es-ES" b="1" dirty="0" smtClean="0">
-              <a:solidFill>
-                <a:schemeClr val="tx1"/>
-              </a:solidFill>
-            </a:endParaRPr>
           </a:p>
           <a:p>
             <a:pPr algn="ctr"/>
@@ -33604,11 +33594,7 @@
           <a:p>
             <a:r>
               <a:rPr lang="es-ES" dirty="0" smtClean="0"/>
-              <a:t>Cree </a:t>
-            </a:r>
-            <a:r>
-              <a:rPr lang="es-ES" dirty="0" smtClean="0"/>
-              <a:t>una actividad principal que tenga un botón de configuración. </a:t>
+              <a:t>Cree una actividad principal que tenga un botón de configuración. </a:t>
             </a:r>
           </a:p>
         </p:txBody>
@@ -34110,17 +34096,8 @@
           <a:p>
             <a:r>
               <a:rPr lang="es-ES" dirty="0" smtClean="0"/>
-              <a:t>El </a:t>
-            </a:r>
-            <a:r>
-              <a:rPr lang="es-ES" dirty="0" smtClean="0"/>
-              <a:t>botón de configuración me permite cambiar el color de </a:t>
-            </a:r>
-            <a:r>
-              <a:rPr lang="es-ES" dirty="0" smtClean="0"/>
-              <a:t>TODA LA APLICACIÓN</a:t>
-            </a:r>
-            <a:endParaRPr lang="es-ES" dirty="0" smtClean="0"/>
+              <a:t>El botón de configuración me permite cambiar el color de TODA LA APLICACIÓN</a:t>
+            </a:r>
           </a:p>
         </p:txBody>
       </p:sp>
